--- a/final_report/graphics/maginit_bug.pptx
+++ b/final_report/graphics/maginit_bug.pptx
@@ -2,12 +2,12 @@
 <file path=ppt/presentation.xml><?xml version="1.0" encoding="utf-8"?>
 <p:presentation xmlns:a="http://schemas.openxmlformats.org/drawingml/2006/main" xmlns:r="http://schemas.openxmlformats.org/officeDocument/2006/relationships" xmlns:p="http://schemas.openxmlformats.org/presentationml/2006/main" saveSubsetFonts="1">
   <p:sldMasterIdLst>
-    <p:sldMasterId id="2147483660" r:id="rId1"/>
+    <p:sldMasterId id="2147483720" r:id="rId1"/>
   </p:sldMasterIdLst>
   <p:sldIdLst>
     <p:sldId id="256" r:id="rId2"/>
   </p:sldIdLst>
-  <p:sldSz cx="9144000" cy="6858000" type="screen4x3"/>
+  <p:sldSz cx="8686800" cy="4572000"/>
   <p:notesSz cx="6858000" cy="9144000"/>
   <p:defaultTextStyle>
     <a:defPPr>
@@ -107,12 +107,12 @@
   <p:extLst>
     <p:ext uri="{EFAFB233-063F-42B5-8137-9DF3F51BA10A}">
       <p15:sldGuideLst xmlns:p15="http://schemas.microsoft.com/office/powerpoint/2012/main">
-        <p15:guide id="1" orient="horz" pos="2160" userDrawn="1">
+        <p15:guide id="1" orient="horz" pos="1440" userDrawn="1">
           <p15:clr>
             <a:srgbClr val="A4A3A4"/>
           </p15:clr>
         </p15:guide>
-        <p15:guide id="2" pos="2880" userDrawn="1">
+        <p15:guide id="2" pos="2736" userDrawn="1">
           <p15:clr>
             <a:srgbClr val="A4A3A4"/>
           </p15:clr>
@@ -125,6 +125,640 @@
 
 <file path=ppt/changesInfos/changesInfo1.xml><?xml version="1.0" encoding="utf-8"?>
 <pc:chgInfo xmlns:a="http://schemas.openxmlformats.org/drawingml/2006/main" xmlns:r="http://schemas.openxmlformats.org/officeDocument/2006/relationships" xmlns:ac="http://schemas.microsoft.com/office/drawing/2013/main/command" xmlns:pc="http://schemas.microsoft.com/office/powerpoint/2013/main/command">
+  <pc:docChgLst>
+    <pc:chgData name="Milijana Surbatovich" userId="34f022815c94af0f" providerId="LiveId" clId="{12132346-2C9F-43C9-BED1-68D4351903D6}"/>
+    <pc:docChg chg="undo custSel modSld modMainMaster">
+      <pc:chgData name="Milijana Surbatovich" userId="34f022815c94af0f" providerId="LiveId" clId="{12132346-2C9F-43C9-BED1-68D4351903D6}" dt="2018-05-07T19:19:42.387" v="89" actId="1076"/>
+      <pc:docMkLst>
+        <pc:docMk/>
+      </pc:docMkLst>
+      <pc:sldChg chg="addSp delSp modSp">
+        <pc:chgData name="Milijana Surbatovich" userId="34f022815c94af0f" providerId="LiveId" clId="{12132346-2C9F-43C9-BED1-68D4351903D6}" dt="2018-05-07T19:19:42.387" v="89" actId="1076"/>
+        <pc:sldMkLst>
+          <pc:docMk/>
+          <pc:sldMk cId="169634896" sldId="256"/>
+        </pc:sldMkLst>
+        <pc:spChg chg="del">
+          <ac:chgData name="Milijana Surbatovich" userId="34f022815c94af0f" providerId="LiveId" clId="{12132346-2C9F-43C9-BED1-68D4351903D6}" dt="2018-05-07T18:36:04.604" v="0" actId="478"/>
+          <ac:spMkLst>
+            <pc:docMk/>
+            <pc:sldMk cId="169634896" sldId="256"/>
+            <ac:spMk id="4" creationId="{4E936606-F1B2-4456-AB69-711456B503DF}"/>
+          </ac:spMkLst>
+        </pc:spChg>
+        <pc:spChg chg="del">
+          <ac:chgData name="Milijana Surbatovich" userId="34f022815c94af0f" providerId="LiveId" clId="{12132346-2C9F-43C9-BED1-68D4351903D6}" dt="2018-05-07T18:36:04.604" v="0" actId="478"/>
+          <ac:spMkLst>
+            <pc:docMk/>
+            <pc:sldMk cId="169634896" sldId="256"/>
+            <ac:spMk id="5" creationId="{642E80F8-A808-489E-8FB1-293379AC7E77}"/>
+          </ac:spMkLst>
+        </pc:spChg>
+        <pc:spChg chg="del">
+          <ac:chgData name="Milijana Surbatovich" userId="34f022815c94af0f" providerId="LiveId" clId="{12132346-2C9F-43C9-BED1-68D4351903D6}" dt="2018-05-07T18:36:04.604" v="0" actId="478"/>
+          <ac:spMkLst>
+            <pc:docMk/>
+            <pc:sldMk cId="169634896" sldId="256"/>
+            <ac:spMk id="11" creationId="{47BAB675-06BD-4A31-ADD7-34F0B9307E64}"/>
+          </ac:spMkLst>
+        </pc:spChg>
+        <pc:spChg chg="add del mod">
+          <ac:chgData name="Milijana Surbatovich" userId="34f022815c94af0f" providerId="LiveId" clId="{12132346-2C9F-43C9-BED1-68D4351903D6}" dt="2018-05-07T18:47:10.614" v="59" actId="478"/>
+          <ac:spMkLst>
+            <pc:docMk/>
+            <pc:sldMk cId="169634896" sldId="256"/>
+            <ac:spMk id="12" creationId="{8B0773AD-0409-4126-AE4A-B1E07B747A09}"/>
+          </ac:spMkLst>
+        </pc:spChg>
+        <pc:spChg chg="add del mod">
+          <ac:chgData name="Milijana Surbatovich" userId="34f022815c94af0f" providerId="LiveId" clId="{12132346-2C9F-43C9-BED1-68D4351903D6}" dt="2018-05-07T18:47:10.614" v="59" actId="478"/>
+          <ac:spMkLst>
+            <pc:docMk/>
+            <pc:sldMk cId="169634896" sldId="256"/>
+            <ac:spMk id="13" creationId="{27F75419-5FB8-4C49-8F48-EC6B411D2BCB}"/>
+          </ac:spMkLst>
+        </pc:spChg>
+        <pc:spChg chg="del">
+          <ac:chgData name="Milijana Surbatovich" userId="34f022815c94af0f" providerId="LiveId" clId="{12132346-2C9F-43C9-BED1-68D4351903D6}" dt="2018-05-07T18:36:04.604" v="0" actId="478"/>
+          <ac:spMkLst>
+            <pc:docMk/>
+            <pc:sldMk cId="169634896" sldId="256"/>
+            <ac:spMk id="15" creationId="{47829C96-FF67-4A53-939E-9223E8B51F68}"/>
+          </ac:spMkLst>
+        </pc:spChg>
+        <pc:spChg chg="del">
+          <ac:chgData name="Milijana Surbatovich" userId="34f022815c94af0f" providerId="LiveId" clId="{12132346-2C9F-43C9-BED1-68D4351903D6}" dt="2018-05-07T18:36:04.604" v="0" actId="478"/>
+          <ac:spMkLst>
+            <pc:docMk/>
+            <pc:sldMk cId="169634896" sldId="256"/>
+            <ac:spMk id="16" creationId="{8A8BFFBE-3128-4481-8EC9-78FF1DF26DD2}"/>
+          </ac:spMkLst>
+        </pc:spChg>
+        <pc:spChg chg="del">
+          <ac:chgData name="Milijana Surbatovich" userId="34f022815c94af0f" providerId="LiveId" clId="{12132346-2C9F-43C9-BED1-68D4351903D6}" dt="2018-05-07T18:36:04.604" v="0" actId="478"/>
+          <ac:spMkLst>
+            <pc:docMk/>
+            <pc:sldMk cId="169634896" sldId="256"/>
+            <ac:spMk id="17" creationId="{D28681A7-EF51-4837-920A-2987BB4798C6}"/>
+          </ac:spMkLst>
+        </pc:spChg>
+        <pc:spChg chg="del">
+          <ac:chgData name="Milijana Surbatovich" userId="34f022815c94af0f" providerId="LiveId" clId="{12132346-2C9F-43C9-BED1-68D4351903D6}" dt="2018-05-07T18:36:04.604" v="0" actId="478"/>
+          <ac:spMkLst>
+            <pc:docMk/>
+            <pc:sldMk cId="169634896" sldId="256"/>
+            <ac:spMk id="20" creationId="{C08DE86E-F53D-4B10-9778-144F10C4BC45}"/>
+          </ac:spMkLst>
+        </pc:spChg>
+        <pc:spChg chg="add del mod">
+          <ac:chgData name="Milijana Surbatovich" userId="34f022815c94af0f" providerId="LiveId" clId="{12132346-2C9F-43C9-BED1-68D4351903D6}" dt="2018-05-07T18:47:10.614" v="59" actId="478"/>
+          <ac:spMkLst>
+            <pc:docMk/>
+            <pc:sldMk cId="169634896" sldId="256"/>
+            <ac:spMk id="21" creationId="{FD256D57-5EB0-4473-8817-E468548732D8}"/>
+          </ac:spMkLst>
+        </pc:spChg>
+        <pc:spChg chg="add del mod">
+          <ac:chgData name="Milijana Surbatovich" userId="34f022815c94af0f" providerId="LiveId" clId="{12132346-2C9F-43C9-BED1-68D4351903D6}" dt="2018-05-07T18:47:10.614" v="59" actId="478"/>
+          <ac:spMkLst>
+            <pc:docMk/>
+            <pc:sldMk cId="169634896" sldId="256"/>
+            <ac:spMk id="22" creationId="{80BBD531-BD46-48A5-980A-BD3DF4E901AC}"/>
+          </ac:spMkLst>
+        </pc:spChg>
+        <pc:spChg chg="add del mod">
+          <ac:chgData name="Milijana Surbatovich" userId="34f022815c94af0f" providerId="LiveId" clId="{12132346-2C9F-43C9-BED1-68D4351903D6}" dt="2018-05-07T18:47:10.614" v="59" actId="478"/>
+          <ac:spMkLst>
+            <pc:docMk/>
+            <pc:sldMk cId="169634896" sldId="256"/>
+            <ac:spMk id="23" creationId="{A500E7EA-2685-48B0-88B0-A2211D875434}"/>
+          </ac:spMkLst>
+        </pc:spChg>
+        <pc:spChg chg="add del mod">
+          <ac:chgData name="Milijana Surbatovich" userId="34f022815c94af0f" providerId="LiveId" clId="{12132346-2C9F-43C9-BED1-68D4351903D6}" dt="2018-05-07T18:47:10.614" v="59" actId="478"/>
+          <ac:spMkLst>
+            <pc:docMk/>
+            <pc:sldMk cId="169634896" sldId="256"/>
+            <ac:spMk id="24" creationId="{1E15A194-4230-4643-9AE7-E8D290E5BA60}"/>
+          </ac:spMkLst>
+        </pc:spChg>
+        <pc:spChg chg="add del mod">
+          <ac:chgData name="Milijana Surbatovich" userId="34f022815c94af0f" providerId="LiveId" clId="{12132346-2C9F-43C9-BED1-68D4351903D6}" dt="2018-05-07T18:47:10.614" v="59" actId="478"/>
+          <ac:spMkLst>
+            <pc:docMk/>
+            <pc:sldMk cId="169634896" sldId="256"/>
+            <ac:spMk id="25" creationId="{4DEAD2F2-9470-4A3A-886D-A1D7035A8597}"/>
+          </ac:spMkLst>
+        </pc:spChg>
+        <pc:spChg chg="add del mod">
+          <ac:chgData name="Milijana Surbatovich" userId="34f022815c94af0f" providerId="LiveId" clId="{12132346-2C9F-43C9-BED1-68D4351903D6}" dt="2018-05-07T18:47:10.614" v="59" actId="478"/>
+          <ac:spMkLst>
+            <pc:docMk/>
+            <pc:sldMk cId="169634896" sldId="256"/>
+            <ac:spMk id="26" creationId="{E20D81FC-A731-4F9C-A3CE-305D3D67D3CF}"/>
+          </ac:spMkLst>
+        </pc:spChg>
+        <pc:spChg chg="add del mod">
+          <ac:chgData name="Milijana Surbatovich" userId="34f022815c94af0f" providerId="LiveId" clId="{12132346-2C9F-43C9-BED1-68D4351903D6}" dt="2018-05-07T18:50:51.612" v="71" actId="478"/>
+          <ac:spMkLst>
+            <pc:docMk/>
+            <pc:sldMk cId="169634896" sldId="256"/>
+            <ac:spMk id="27" creationId="{719A289B-FE5D-4C1E-A6A9-57F607A97071}"/>
+          </ac:spMkLst>
+        </pc:spChg>
+        <pc:spChg chg="add del mod">
+          <ac:chgData name="Milijana Surbatovich" userId="34f022815c94af0f" providerId="LiveId" clId="{12132346-2C9F-43C9-BED1-68D4351903D6}" dt="2018-05-07T18:50:51.612" v="71" actId="478"/>
+          <ac:spMkLst>
+            <pc:docMk/>
+            <pc:sldMk cId="169634896" sldId="256"/>
+            <ac:spMk id="28" creationId="{A9FF4D3E-9204-470B-A52B-29D8BAC03691}"/>
+          </ac:spMkLst>
+        </pc:spChg>
+        <pc:spChg chg="add del mod">
+          <ac:chgData name="Milijana Surbatovich" userId="34f022815c94af0f" providerId="LiveId" clId="{12132346-2C9F-43C9-BED1-68D4351903D6}" dt="2018-05-07T18:50:51.612" v="71" actId="478"/>
+          <ac:spMkLst>
+            <pc:docMk/>
+            <pc:sldMk cId="169634896" sldId="256"/>
+            <ac:spMk id="32" creationId="{0EBCF681-0EE3-4B29-8E09-1EFDE1303941}"/>
+          </ac:spMkLst>
+        </pc:spChg>
+        <pc:spChg chg="add del mod">
+          <ac:chgData name="Milijana Surbatovich" userId="34f022815c94af0f" providerId="LiveId" clId="{12132346-2C9F-43C9-BED1-68D4351903D6}" dt="2018-05-07T18:50:51.612" v="71" actId="478"/>
+          <ac:spMkLst>
+            <pc:docMk/>
+            <pc:sldMk cId="169634896" sldId="256"/>
+            <ac:spMk id="33" creationId="{22EF833B-8A41-4E6E-B2CC-D9FE697E5F50}"/>
+          </ac:spMkLst>
+        </pc:spChg>
+        <pc:spChg chg="add del mod">
+          <ac:chgData name="Milijana Surbatovich" userId="34f022815c94af0f" providerId="LiveId" clId="{12132346-2C9F-43C9-BED1-68D4351903D6}" dt="2018-05-07T18:50:51.612" v="71" actId="478"/>
+          <ac:spMkLst>
+            <pc:docMk/>
+            <pc:sldMk cId="169634896" sldId="256"/>
+            <ac:spMk id="34" creationId="{FC5B9096-A765-4E9F-AACC-AEF332C26990}"/>
+          </ac:spMkLst>
+        </pc:spChg>
+        <pc:spChg chg="add del mod">
+          <ac:chgData name="Milijana Surbatovich" userId="34f022815c94af0f" providerId="LiveId" clId="{12132346-2C9F-43C9-BED1-68D4351903D6}" dt="2018-05-07T18:50:51.612" v="71" actId="478"/>
+          <ac:spMkLst>
+            <pc:docMk/>
+            <pc:sldMk cId="169634896" sldId="256"/>
+            <ac:spMk id="35" creationId="{56FFC8D6-ACAB-4910-89CF-0E4C77E3EB28}"/>
+          </ac:spMkLst>
+        </pc:spChg>
+        <pc:spChg chg="add del mod">
+          <ac:chgData name="Milijana Surbatovich" userId="34f022815c94af0f" providerId="LiveId" clId="{12132346-2C9F-43C9-BED1-68D4351903D6}" dt="2018-05-07T18:51:01.020" v="73" actId="478"/>
+          <ac:spMkLst>
+            <pc:docMk/>
+            <pc:sldMk cId="169634896" sldId="256"/>
+            <ac:spMk id="36" creationId="{C72B25A0-240B-4C9E-BF73-7FB9A1494CDE}"/>
+          </ac:spMkLst>
+        </pc:spChg>
+        <pc:spChg chg="add del mod">
+          <ac:chgData name="Milijana Surbatovich" userId="34f022815c94af0f" providerId="LiveId" clId="{12132346-2C9F-43C9-BED1-68D4351903D6}" dt="2018-05-07T18:50:56.253" v="72" actId="478"/>
+          <ac:spMkLst>
+            <pc:docMk/>
+            <pc:sldMk cId="169634896" sldId="256"/>
+            <ac:spMk id="37" creationId="{9D074BDB-332B-4777-ACDB-589EA76A511D}"/>
+          </ac:spMkLst>
+        </pc:spChg>
+        <pc:spChg chg="add mod">
+          <ac:chgData name="Milijana Surbatovich" userId="34f022815c94af0f" providerId="LiveId" clId="{12132346-2C9F-43C9-BED1-68D4351903D6}" dt="2018-05-07T19:19:15.718" v="88" actId="1076"/>
+          <ac:spMkLst>
+            <pc:docMk/>
+            <pc:sldMk cId="169634896" sldId="256"/>
+            <ac:spMk id="38" creationId="{0B3F9427-1714-4EF5-B047-936A84E136BD}"/>
+          </ac:spMkLst>
+        </pc:spChg>
+        <pc:spChg chg="add mod">
+          <ac:chgData name="Milijana Surbatovich" userId="34f022815c94af0f" providerId="LiveId" clId="{12132346-2C9F-43C9-BED1-68D4351903D6}" dt="2018-05-07T19:19:15.718" v="88" actId="1076"/>
+          <ac:spMkLst>
+            <pc:docMk/>
+            <pc:sldMk cId="169634896" sldId="256"/>
+            <ac:spMk id="39" creationId="{26BCEFBB-EA6C-401F-9053-F3D54DF155C0}"/>
+          </ac:spMkLst>
+        </pc:spChg>
+        <pc:spChg chg="add mod">
+          <ac:chgData name="Milijana Surbatovich" userId="34f022815c94af0f" providerId="LiveId" clId="{12132346-2C9F-43C9-BED1-68D4351903D6}" dt="2018-05-07T19:19:15.718" v="88" actId="1076"/>
+          <ac:spMkLst>
+            <pc:docMk/>
+            <pc:sldMk cId="169634896" sldId="256"/>
+            <ac:spMk id="43" creationId="{08839F7A-79E3-4E32-929B-45428A02885E}"/>
+          </ac:spMkLst>
+        </pc:spChg>
+        <pc:spChg chg="add mod">
+          <ac:chgData name="Milijana Surbatovich" userId="34f022815c94af0f" providerId="LiveId" clId="{12132346-2C9F-43C9-BED1-68D4351903D6}" dt="2018-05-07T19:19:15.718" v="88" actId="1076"/>
+          <ac:spMkLst>
+            <pc:docMk/>
+            <pc:sldMk cId="169634896" sldId="256"/>
+            <ac:spMk id="44" creationId="{F179D4E0-1BFE-421A-A0AA-84AC021720FF}"/>
+          </ac:spMkLst>
+        </pc:spChg>
+        <pc:spChg chg="add mod">
+          <ac:chgData name="Milijana Surbatovich" userId="34f022815c94af0f" providerId="LiveId" clId="{12132346-2C9F-43C9-BED1-68D4351903D6}" dt="2018-05-07T19:19:15.718" v="88" actId="1076"/>
+          <ac:spMkLst>
+            <pc:docMk/>
+            <pc:sldMk cId="169634896" sldId="256"/>
+            <ac:spMk id="45" creationId="{59C1F21A-691A-4469-A3F6-DD70FD773343}"/>
+          </ac:spMkLst>
+        </pc:spChg>
+        <pc:spChg chg="add mod">
+          <ac:chgData name="Milijana Surbatovich" userId="34f022815c94af0f" providerId="LiveId" clId="{12132346-2C9F-43C9-BED1-68D4351903D6}" dt="2018-05-07T19:19:15.718" v="88" actId="1076"/>
+          <ac:spMkLst>
+            <pc:docMk/>
+            <pc:sldMk cId="169634896" sldId="256"/>
+            <ac:spMk id="46" creationId="{C2962411-D5E1-4075-90FF-5BE55CAD810B}"/>
+          </ac:spMkLst>
+        </pc:spChg>
+        <pc:spChg chg="add mod">
+          <ac:chgData name="Milijana Surbatovich" userId="34f022815c94af0f" providerId="LiveId" clId="{12132346-2C9F-43C9-BED1-68D4351903D6}" dt="2018-05-07T19:19:42.387" v="89" actId="1076"/>
+          <ac:spMkLst>
+            <pc:docMk/>
+            <pc:sldMk cId="169634896" sldId="256"/>
+            <ac:spMk id="47" creationId="{6B80519D-A284-42B5-935B-F03AA6D1BBC1}"/>
+          </ac:spMkLst>
+        </pc:spChg>
+        <pc:spChg chg="add del mod">
+          <ac:chgData name="Milijana Surbatovich" userId="34f022815c94af0f" providerId="LiveId" clId="{12132346-2C9F-43C9-BED1-68D4351903D6}" dt="2018-05-07T19:16:23.515" v="84" actId="478"/>
+          <ac:spMkLst>
+            <pc:docMk/>
+            <pc:sldMk cId="169634896" sldId="256"/>
+            <ac:spMk id="48" creationId="{B6A19C56-A032-4303-B318-5CD990460E05}"/>
+          </ac:spMkLst>
+        </pc:spChg>
+        <pc:cxnChg chg="del">
+          <ac:chgData name="Milijana Surbatovich" userId="34f022815c94af0f" providerId="LiveId" clId="{12132346-2C9F-43C9-BED1-68D4351903D6}" dt="2018-05-07T18:36:04.604" v="0" actId="478"/>
+          <ac:cxnSpMkLst>
+            <pc:docMk/>
+            <pc:sldMk cId="169634896" sldId="256"/>
+            <ac:cxnSpMk id="7" creationId="{E78BE08A-93AA-4AD6-8B48-9B3A8F615080}"/>
+          </ac:cxnSpMkLst>
+        </pc:cxnChg>
+        <pc:cxnChg chg="del">
+          <ac:chgData name="Milijana Surbatovich" userId="34f022815c94af0f" providerId="LiveId" clId="{12132346-2C9F-43C9-BED1-68D4351903D6}" dt="2018-05-07T18:36:04.604" v="0" actId="478"/>
+          <ac:cxnSpMkLst>
+            <pc:docMk/>
+            <pc:sldMk cId="169634896" sldId="256"/>
+            <ac:cxnSpMk id="8" creationId="{12D8DF9D-8AA2-4A3F-AA1E-32622C0BC06E}"/>
+          </ac:cxnSpMkLst>
+        </pc:cxnChg>
+        <pc:cxnChg chg="del">
+          <ac:chgData name="Milijana Surbatovich" userId="34f022815c94af0f" providerId="LiveId" clId="{12132346-2C9F-43C9-BED1-68D4351903D6}" dt="2018-05-07T18:36:04.604" v="0" actId="478"/>
+          <ac:cxnSpMkLst>
+            <pc:docMk/>
+            <pc:sldMk cId="169634896" sldId="256"/>
+            <ac:cxnSpMk id="10" creationId="{E1A0209C-C8CD-415E-A9CE-156CBC4B6DDC}"/>
+          </ac:cxnSpMkLst>
+        </pc:cxnChg>
+        <pc:cxnChg chg="add del mod">
+          <ac:chgData name="Milijana Surbatovich" userId="34f022815c94af0f" providerId="LiveId" clId="{12132346-2C9F-43C9-BED1-68D4351903D6}" dt="2018-05-07T18:47:10.614" v="59" actId="478"/>
+          <ac:cxnSpMkLst>
+            <pc:docMk/>
+            <pc:sldMk cId="169634896" sldId="256"/>
+            <ac:cxnSpMk id="14" creationId="{B2519CDD-DE85-43AA-83A9-9C1E9F89C7FD}"/>
+          </ac:cxnSpMkLst>
+        </pc:cxnChg>
+        <pc:cxnChg chg="add del mod">
+          <ac:chgData name="Milijana Surbatovich" userId="34f022815c94af0f" providerId="LiveId" clId="{12132346-2C9F-43C9-BED1-68D4351903D6}" dt="2018-05-07T18:47:10.614" v="59" actId="478"/>
+          <ac:cxnSpMkLst>
+            <pc:docMk/>
+            <pc:sldMk cId="169634896" sldId="256"/>
+            <ac:cxnSpMk id="18" creationId="{04150463-FBD4-4030-A4F0-AFB96BFC721C}"/>
+          </ac:cxnSpMkLst>
+        </pc:cxnChg>
+        <pc:cxnChg chg="add del mod">
+          <ac:chgData name="Milijana Surbatovich" userId="34f022815c94af0f" providerId="LiveId" clId="{12132346-2C9F-43C9-BED1-68D4351903D6}" dt="2018-05-07T18:47:10.614" v="59" actId="478"/>
+          <ac:cxnSpMkLst>
+            <pc:docMk/>
+            <pc:sldMk cId="169634896" sldId="256"/>
+            <ac:cxnSpMk id="19" creationId="{94EFE121-FB2D-4992-B816-2604C05AC57A}"/>
+          </ac:cxnSpMkLst>
+        </pc:cxnChg>
+        <pc:cxnChg chg="add del mod">
+          <ac:chgData name="Milijana Surbatovich" userId="34f022815c94af0f" providerId="LiveId" clId="{12132346-2C9F-43C9-BED1-68D4351903D6}" dt="2018-05-07T18:50:51.612" v="71" actId="478"/>
+          <ac:cxnSpMkLst>
+            <pc:docMk/>
+            <pc:sldMk cId="169634896" sldId="256"/>
+            <ac:cxnSpMk id="29" creationId="{8F3D54DF-1606-44A8-A347-C51FEBDB259C}"/>
+          </ac:cxnSpMkLst>
+        </pc:cxnChg>
+        <pc:cxnChg chg="add del mod">
+          <ac:chgData name="Milijana Surbatovich" userId="34f022815c94af0f" providerId="LiveId" clId="{12132346-2C9F-43C9-BED1-68D4351903D6}" dt="2018-05-07T18:50:51.612" v="71" actId="478"/>
+          <ac:cxnSpMkLst>
+            <pc:docMk/>
+            <pc:sldMk cId="169634896" sldId="256"/>
+            <ac:cxnSpMk id="30" creationId="{7F7A46E2-6D98-4343-B021-0BEBA8BA9388}"/>
+          </ac:cxnSpMkLst>
+        </pc:cxnChg>
+        <pc:cxnChg chg="add del mod">
+          <ac:chgData name="Milijana Surbatovich" userId="34f022815c94af0f" providerId="LiveId" clId="{12132346-2C9F-43C9-BED1-68D4351903D6}" dt="2018-05-07T18:50:51.612" v="71" actId="478"/>
+          <ac:cxnSpMkLst>
+            <pc:docMk/>
+            <pc:sldMk cId="169634896" sldId="256"/>
+            <ac:cxnSpMk id="31" creationId="{BBCE472D-B37B-45C1-AF52-C091451DDED7}"/>
+          </ac:cxnSpMkLst>
+        </pc:cxnChg>
+        <pc:cxnChg chg="add mod ord">
+          <ac:chgData name="Milijana Surbatovich" userId="34f022815c94af0f" providerId="LiveId" clId="{12132346-2C9F-43C9-BED1-68D4351903D6}" dt="2018-05-07T19:19:15.718" v="88" actId="1076"/>
+          <ac:cxnSpMkLst>
+            <pc:docMk/>
+            <pc:sldMk cId="169634896" sldId="256"/>
+            <ac:cxnSpMk id="40" creationId="{FC1BBA8E-D735-46B3-9C10-2963C29DDA15}"/>
+          </ac:cxnSpMkLst>
+        </pc:cxnChg>
+        <pc:cxnChg chg="add mod">
+          <ac:chgData name="Milijana Surbatovich" userId="34f022815c94af0f" providerId="LiveId" clId="{12132346-2C9F-43C9-BED1-68D4351903D6}" dt="2018-05-07T19:19:15.718" v="88" actId="1076"/>
+          <ac:cxnSpMkLst>
+            <pc:docMk/>
+            <pc:sldMk cId="169634896" sldId="256"/>
+            <ac:cxnSpMk id="41" creationId="{E15E6E5E-CEF7-43CC-A4E4-914C2ADE536D}"/>
+          </ac:cxnSpMkLst>
+        </pc:cxnChg>
+        <pc:cxnChg chg="add mod">
+          <ac:chgData name="Milijana Surbatovich" userId="34f022815c94af0f" providerId="LiveId" clId="{12132346-2C9F-43C9-BED1-68D4351903D6}" dt="2018-05-07T19:19:15.718" v="88" actId="1076"/>
+          <ac:cxnSpMkLst>
+            <pc:docMk/>
+            <pc:sldMk cId="169634896" sldId="256"/>
+            <ac:cxnSpMk id="42" creationId="{5BBA6B8B-CEB4-4091-AA9F-B372D0989651}"/>
+          </ac:cxnSpMkLst>
+        </pc:cxnChg>
+      </pc:sldChg>
+      <pc:sldMasterChg chg="modSp modSldLayout">
+        <pc:chgData name="Milijana Surbatovich" userId="34f022815c94af0f" providerId="LiveId" clId="{12132346-2C9F-43C9-BED1-68D4351903D6}" dt="2018-05-07T19:16:36.742" v="85" actId="171"/>
+        <pc:sldMasterMkLst>
+          <pc:docMk/>
+          <pc:sldMasterMk cId="476102593" sldId="2147483684"/>
+        </pc:sldMasterMkLst>
+        <pc:spChg chg="mod">
+          <ac:chgData name="Milijana Surbatovich" userId="34f022815c94af0f" providerId="LiveId" clId="{12132346-2C9F-43C9-BED1-68D4351903D6}" dt="2018-05-07T19:16:36.742" v="85" actId="171"/>
+          <ac:spMkLst>
+            <pc:docMk/>
+            <pc:sldMasterMk cId="476102593" sldId="2147483684"/>
+            <ac:spMk id="2" creationId="{00000000-0000-0000-0000-000000000000}"/>
+          </ac:spMkLst>
+        </pc:spChg>
+        <pc:spChg chg="mod">
+          <ac:chgData name="Milijana Surbatovich" userId="34f022815c94af0f" providerId="LiveId" clId="{12132346-2C9F-43C9-BED1-68D4351903D6}" dt="2018-05-07T19:16:36.742" v="85" actId="171"/>
+          <ac:spMkLst>
+            <pc:docMk/>
+            <pc:sldMasterMk cId="476102593" sldId="2147483684"/>
+            <ac:spMk id="3" creationId="{00000000-0000-0000-0000-000000000000}"/>
+          </ac:spMkLst>
+        </pc:spChg>
+        <pc:spChg chg="mod">
+          <ac:chgData name="Milijana Surbatovich" userId="34f022815c94af0f" providerId="LiveId" clId="{12132346-2C9F-43C9-BED1-68D4351903D6}" dt="2018-05-07T19:16:36.742" v="85" actId="171"/>
+          <ac:spMkLst>
+            <pc:docMk/>
+            <pc:sldMasterMk cId="476102593" sldId="2147483684"/>
+            <ac:spMk id="4" creationId="{00000000-0000-0000-0000-000000000000}"/>
+          </ac:spMkLst>
+        </pc:spChg>
+        <pc:spChg chg="mod">
+          <ac:chgData name="Milijana Surbatovich" userId="34f022815c94af0f" providerId="LiveId" clId="{12132346-2C9F-43C9-BED1-68D4351903D6}" dt="2018-05-07T19:16:36.742" v="85" actId="171"/>
+          <ac:spMkLst>
+            <pc:docMk/>
+            <pc:sldMasterMk cId="476102593" sldId="2147483684"/>
+            <ac:spMk id="5" creationId="{00000000-0000-0000-0000-000000000000}"/>
+          </ac:spMkLst>
+        </pc:spChg>
+        <pc:spChg chg="mod">
+          <ac:chgData name="Milijana Surbatovich" userId="34f022815c94af0f" providerId="LiveId" clId="{12132346-2C9F-43C9-BED1-68D4351903D6}" dt="2018-05-07T19:16:36.742" v="85" actId="171"/>
+          <ac:spMkLst>
+            <pc:docMk/>
+            <pc:sldMasterMk cId="476102593" sldId="2147483684"/>
+            <ac:spMk id="6" creationId="{00000000-0000-0000-0000-000000000000}"/>
+          </ac:spMkLst>
+        </pc:spChg>
+        <pc:sldLayoutChg chg="modSp">
+          <pc:chgData name="Milijana Surbatovich" userId="34f022815c94af0f" providerId="LiveId" clId="{12132346-2C9F-43C9-BED1-68D4351903D6}" dt="2018-05-07T19:16:36.742" v="85" actId="171"/>
+          <pc:sldLayoutMkLst>
+            <pc:docMk/>
+            <pc:sldMasterMk cId="476102593" sldId="2147483684"/>
+            <pc:sldLayoutMk cId="558252316" sldId="2147483685"/>
+          </pc:sldLayoutMkLst>
+          <pc:spChg chg="mod">
+            <ac:chgData name="Milijana Surbatovich" userId="34f022815c94af0f" providerId="LiveId" clId="{12132346-2C9F-43C9-BED1-68D4351903D6}" dt="2018-05-07T19:16:36.742" v="85" actId="171"/>
+            <ac:spMkLst>
+              <pc:docMk/>
+              <pc:sldMasterMk cId="476102593" sldId="2147483684"/>
+              <pc:sldLayoutMk cId="558252316" sldId="2147483685"/>
+              <ac:spMk id="2" creationId="{00000000-0000-0000-0000-000000000000}"/>
+            </ac:spMkLst>
+          </pc:spChg>
+          <pc:spChg chg="mod">
+            <ac:chgData name="Milijana Surbatovich" userId="34f022815c94af0f" providerId="LiveId" clId="{12132346-2C9F-43C9-BED1-68D4351903D6}" dt="2018-05-07T19:16:36.742" v="85" actId="171"/>
+            <ac:spMkLst>
+              <pc:docMk/>
+              <pc:sldMasterMk cId="476102593" sldId="2147483684"/>
+              <pc:sldLayoutMk cId="558252316" sldId="2147483685"/>
+              <ac:spMk id="3" creationId="{00000000-0000-0000-0000-000000000000}"/>
+            </ac:spMkLst>
+          </pc:spChg>
+        </pc:sldLayoutChg>
+        <pc:sldLayoutChg chg="modSp">
+          <pc:chgData name="Milijana Surbatovich" userId="34f022815c94af0f" providerId="LiveId" clId="{12132346-2C9F-43C9-BED1-68D4351903D6}" dt="2018-05-07T19:16:36.742" v="85" actId="171"/>
+          <pc:sldLayoutMkLst>
+            <pc:docMk/>
+            <pc:sldMasterMk cId="476102593" sldId="2147483684"/>
+            <pc:sldLayoutMk cId="4209977508" sldId="2147483687"/>
+          </pc:sldLayoutMkLst>
+          <pc:spChg chg="mod">
+            <ac:chgData name="Milijana Surbatovich" userId="34f022815c94af0f" providerId="LiveId" clId="{12132346-2C9F-43C9-BED1-68D4351903D6}" dt="2018-05-07T19:16:36.742" v="85" actId="171"/>
+            <ac:spMkLst>
+              <pc:docMk/>
+              <pc:sldMasterMk cId="476102593" sldId="2147483684"/>
+              <pc:sldLayoutMk cId="4209977508" sldId="2147483687"/>
+              <ac:spMk id="2" creationId="{00000000-0000-0000-0000-000000000000}"/>
+            </ac:spMkLst>
+          </pc:spChg>
+          <pc:spChg chg="mod">
+            <ac:chgData name="Milijana Surbatovich" userId="34f022815c94af0f" providerId="LiveId" clId="{12132346-2C9F-43C9-BED1-68D4351903D6}" dt="2018-05-07T19:16:36.742" v="85" actId="171"/>
+            <ac:spMkLst>
+              <pc:docMk/>
+              <pc:sldMasterMk cId="476102593" sldId="2147483684"/>
+              <pc:sldLayoutMk cId="4209977508" sldId="2147483687"/>
+              <ac:spMk id="3" creationId="{00000000-0000-0000-0000-000000000000}"/>
+            </ac:spMkLst>
+          </pc:spChg>
+        </pc:sldLayoutChg>
+        <pc:sldLayoutChg chg="modSp">
+          <pc:chgData name="Milijana Surbatovich" userId="34f022815c94af0f" providerId="LiveId" clId="{12132346-2C9F-43C9-BED1-68D4351903D6}" dt="2018-05-07T19:16:36.742" v="85" actId="171"/>
+          <pc:sldLayoutMkLst>
+            <pc:docMk/>
+            <pc:sldMasterMk cId="476102593" sldId="2147483684"/>
+            <pc:sldLayoutMk cId="1835354650" sldId="2147483688"/>
+          </pc:sldLayoutMkLst>
+          <pc:spChg chg="mod">
+            <ac:chgData name="Milijana Surbatovich" userId="34f022815c94af0f" providerId="LiveId" clId="{12132346-2C9F-43C9-BED1-68D4351903D6}" dt="2018-05-07T19:16:36.742" v="85" actId="171"/>
+            <ac:spMkLst>
+              <pc:docMk/>
+              <pc:sldMasterMk cId="476102593" sldId="2147483684"/>
+              <pc:sldLayoutMk cId="1835354650" sldId="2147483688"/>
+              <ac:spMk id="3" creationId="{00000000-0000-0000-0000-000000000000}"/>
+            </ac:spMkLst>
+          </pc:spChg>
+          <pc:spChg chg="mod">
+            <ac:chgData name="Milijana Surbatovich" userId="34f022815c94af0f" providerId="LiveId" clId="{12132346-2C9F-43C9-BED1-68D4351903D6}" dt="2018-05-07T19:16:36.742" v="85" actId="171"/>
+            <ac:spMkLst>
+              <pc:docMk/>
+              <pc:sldMasterMk cId="476102593" sldId="2147483684"/>
+              <pc:sldLayoutMk cId="1835354650" sldId="2147483688"/>
+              <ac:spMk id="4" creationId="{00000000-0000-0000-0000-000000000000}"/>
+            </ac:spMkLst>
+          </pc:spChg>
+        </pc:sldLayoutChg>
+        <pc:sldLayoutChg chg="modSp">
+          <pc:chgData name="Milijana Surbatovich" userId="34f022815c94af0f" providerId="LiveId" clId="{12132346-2C9F-43C9-BED1-68D4351903D6}" dt="2018-05-07T19:16:36.742" v="85" actId="171"/>
+          <pc:sldLayoutMkLst>
+            <pc:docMk/>
+            <pc:sldMasterMk cId="476102593" sldId="2147483684"/>
+            <pc:sldLayoutMk cId="2598390276" sldId="2147483689"/>
+          </pc:sldLayoutMkLst>
+          <pc:spChg chg="mod">
+            <ac:chgData name="Milijana Surbatovich" userId="34f022815c94af0f" providerId="LiveId" clId="{12132346-2C9F-43C9-BED1-68D4351903D6}" dt="2018-05-07T19:16:36.742" v="85" actId="171"/>
+            <ac:spMkLst>
+              <pc:docMk/>
+              <pc:sldMasterMk cId="476102593" sldId="2147483684"/>
+              <pc:sldLayoutMk cId="2598390276" sldId="2147483689"/>
+              <ac:spMk id="2" creationId="{00000000-0000-0000-0000-000000000000}"/>
+            </ac:spMkLst>
+          </pc:spChg>
+          <pc:spChg chg="mod">
+            <ac:chgData name="Milijana Surbatovich" userId="34f022815c94af0f" providerId="LiveId" clId="{12132346-2C9F-43C9-BED1-68D4351903D6}" dt="2018-05-07T19:16:36.742" v="85" actId="171"/>
+            <ac:spMkLst>
+              <pc:docMk/>
+              <pc:sldMasterMk cId="476102593" sldId="2147483684"/>
+              <pc:sldLayoutMk cId="2598390276" sldId="2147483689"/>
+              <ac:spMk id="3" creationId="{00000000-0000-0000-0000-000000000000}"/>
+            </ac:spMkLst>
+          </pc:spChg>
+          <pc:spChg chg="mod">
+            <ac:chgData name="Milijana Surbatovich" userId="34f022815c94af0f" providerId="LiveId" clId="{12132346-2C9F-43C9-BED1-68D4351903D6}" dt="2018-05-07T19:16:36.742" v="85" actId="171"/>
+            <ac:spMkLst>
+              <pc:docMk/>
+              <pc:sldMasterMk cId="476102593" sldId="2147483684"/>
+              <pc:sldLayoutMk cId="2598390276" sldId="2147483689"/>
+              <ac:spMk id="4" creationId="{00000000-0000-0000-0000-000000000000}"/>
+            </ac:spMkLst>
+          </pc:spChg>
+          <pc:spChg chg="mod">
+            <ac:chgData name="Milijana Surbatovich" userId="34f022815c94af0f" providerId="LiveId" clId="{12132346-2C9F-43C9-BED1-68D4351903D6}" dt="2018-05-07T19:16:36.742" v="85" actId="171"/>
+            <ac:spMkLst>
+              <pc:docMk/>
+              <pc:sldMasterMk cId="476102593" sldId="2147483684"/>
+              <pc:sldLayoutMk cId="2598390276" sldId="2147483689"/>
+              <ac:spMk id="5" creationId="{00000000-0000-0000-0000-000000000000}"/>
+            </ac:spMkLst>
+          </pc:spChg>
+          <pc:spChg chg="mod">
+            <ac:chgData name="Milijana Surbatovich" userId="34f022815c94af0f" providerId="LiveId" clId="{12132346-2C9F-43C9-BED1-68D4351903D6}" dt="2018-05-07T19:16:36.742" v="85" actId="171"/>
+            <ac:spMkLst>
+              <pc:docMk/>
+              <pc:sldMasterMk cId="476102593" sldId="2147483684"/>
+              <pc:sldLayoutMk cId="2598390276" sldId="2147483689"/>
+              <ac:spMk id="6" creationId="{00000000-0000-0000-0000-000000000000}"/>
+            </ac:spMkLst>
+          </pc:spChg>
+        </pc:sldLayoutChg>
+        <pc:sldLayoutChg chg="modSp">
+          <pc:chgData name="Milijana Surbatovich" userId="34f022815c94af0f" providerId="LiveId" clId="{12132346-2C9F-43C9-BED1-68D4351903D6}" dt="2018-05-07T19:16:36.742" v="85" actId="171"/>
+          <pc:sldLayoutMkLst>
+            <pc:docMk/>
+            <pc:sldMasterMk cId="476102593" sldId="2147483684"/>
+            <pc:sldLayoutMk cId="1064150831" sldId="2147483692"/>
+          </pc:sldLayoutMkLst>
+          <pc:spChg chg="mod">
+            <ac:chgData name="Milijana Surbatovich" userId="34f022815c94af0f" providerId="LiveId" clId="{12132346-2C9F-43C9-BED1-68D4351903D6}" dt="2018-05-07T19:16:36.742" v="85" actId="171"/>
+            <ac:spMkLst>
+              <pc:docMk/>
+              <pc:sldMasterMk cId="476102593" sldId="2147483684"/>
+              <pc:sldLayoutMk cId="1064150831" sldId="2147483692"/>
+              <ac:spMk id="2" creationId="{00000000-0000-0000-0000-000000000000}"/>
+            </ac:spMkLst>
+          </pc:spChg>
+          <pc:spChg chg="mod">
+            <ac:chgData name="Milijana Surbatovich" userId="34f022815c94af0f" providerId="LiveId" clId="{12132346-2C9F-43C9-BED1-68D4351903D6}" dt="2018-05-07T19:16:36.742" v="85" actId="171"/>
+            <ac:spMkLst>
+              <pc:docMk/>
+              <pc:sldMasterMk cId="476102593" sldId="2147483684"/>
+              <pc:sldLayoutMk cId="1064150831" sldId="2147483692"/>
+              <ac:spMk id="3" creationId="{00000000-0000-0000-0000-000000000000}"/>
+            </ac:spMkLst>
+          </pc:spChg>
+          <pc:spChg chg="mod">
+            <ac:chgData name="Milijana Surbatovich" userId="34f022815c94af0f" providerId="LiveId" clId="{12132346-2C9F-43C9-BED1-68D4351903D6}" dt="2018-05-07T19:16:36.742" v="85" actId="171"/>
+            <ac:spMkLst>
+              <pc:docMk/>
+              <pc:sldMasterMk cId="476102593" sldId="2147483684"/>
+              <pc:sldLayoutMk cId="1064150831" sldId="2147483692"/>
+              <ac:spMk id="4" creationId="{00000000-0000-0000-0000-000000000000}"/>
+            </ac:spMkLst>
+          </pc:spChg>
+        </pc:sldLayoutChg>
+        <pc:sldLayoutChg chg="modSp">
+          <pc:chgData name="Milijana Surbatovich" userId="34f022815c94af0f" providerId="LiveId" clId="{12132346-2C9F-43C9-BED1-68D4351903D6}" dt="2018-05-07T19:16:36.742" v="85" actId="171"/>
+          <pc:sldLayoutMkLst>
+            <pc:docMk/>
+            <pc:sldMasterMk cId="476102593" sldId="2147483684"/>
+            <pc:sldLayoutMk cId="2990564059" sldId="2147483693"/>
+          </pc:sldLayoutMkLst>
+          <pc:spChg chg="mod">
+            <ac:chgData name="Milijana Surbatovich" userId="34f022815c94af0f" providerId="LiveId" clId="{12132346-2C9F-43C9-BED1-68D4351903D6}" dt="2018-05-07T19:16:36.742" v="85" actId="171"/>
+            <ac:spMkLst>
+              <pc:docMk/>
+              <pc:sldMasterMk cId="476102593" sldId="2147483684"/>
+              <pc:sldLayoutMk cId="2990564059" sldId="2147483693"/>
+              <ac:spMk id="2" creationId="{00000000-0000-0000-0000-000000000000}"/>
+            </ac:spMkLst>
+          </pc:spChg>
+          <pc:spChg chg="mod">
+            <ac:chgData name="Milijana Surbatovich" userId="34f022815c94af0f" providerId="LiveId" clId="{12132346-2C9F-43C9-BED1-68D4351903D6}" dt="2018-05-07T19:16:36.742" v="85" actId="171"/>
+            <ac:spMkLst>
+              <pc:docMk/>
+              <pc:sldMasterMk cId="476102593" sldId="2147483684"/>
+              <pc:sldLayoutMk cId="2990564059" sldId="2147483693"/>
+              <ac:spMk id="3" creationId="{00000000-0000-0000-0000-000000000000}"/>
+            </ac:spMkLst>
+          </pc:spChg>
+          <pc:spChg chg="mod">
+            <ac:chgData name="Milijana Surbatovich" userId="34f022815c94af0f" providerId="LiveId" clId="{12132346-2C9F-43C9-BED1-68D4351903D6}" dt="2018-05-07T19:16:36.742" v="85" actId="171"/>
+            <ac:spMkLst>
+              <pc:docMk/>
+              <pc:sldMasterMk cId="476102593" sldId="2147483684"/>
+              <pc:sldLayoutMk cId="2990564059" sldId="2147483693"/>
+              <ac:spMk id="4" creationId="{00000000-0000-0000-0000-000000000000}"/>
+            </ac:spMkLst>
+          </pc:spChg>
+        </pc:sldLayoutChg>
+        <pc:sldLayoutChg chg="modSp">
+          <pc:chgData name="Milijana Surbatovich" userId="34f022815c94af0f" providerId="LiveId" clId="{12132346-2C9F-43C9-BED1-68D4351903D6}" dt="2018-05-07T19:16:36.742" v="85" actId="171"/>
+          <pc:sldLayoutMkLst>
+            <pc:docMk/>
+            <pc:sldMasterMk cId="476102593" sldId="2147483684"/>
+            <pc:sldLayoutMk cId="2033968913" sldId="2147483695"/>
+          </pc:sldLayoutMkLst>
+          <pc:spChg chg="mod">
+            <ac:chgData name="Milijana Surbatovich" userId="34f022815c94af0f" providerId="LiveId" clId="{12132346-2C9F-43C9-BED1-68D4351903D6}" dt="2018-05-07T19:16:36.742" v="85" actId="171"/>
+            <ac:spMkLst>
+              <pc:docMk/>
+              <pc:sldMasterMk cId="476102593" sldId="2147483684"/>
+              <pc:sldLayoutMk cId="2033968913" sldId="2147483695"/>
+              <ac:spMk id="2" creationId="{00000000-0000-0000-0000-000000000000}"/>
+            </ac:spMkLst>
+          </pc:spChg>
+          <pc:spChg chg="mod">
+            <ac:chgData name="Milijana Surbatovich" userId="34f022815c94af0f" providerId="LiveId" clId="{12132346-2C9F-43C9-BED1-68D4351903D6}" dt="2018-05-07T19:16:36.742" v="85" actId="171"/>
+            <ac:spMkLst>
+              <pc:docMk/>
+              <pc:sldMasterMk cId="476102593" sldId="2147483684"/>
+              <pc:sldLayoutMk cId="2033968913" sldId="2147483695"/>
+              <ac:spMk id="3" creationId="{00000000-0000-0000-0000-000000000000}"/>
+            </ac:spMkLst>
+          </pc:spChg>
+        </pc:sldLayoutChg>
+      </pc:sldMasterChg>
+    </pc:docChg>
+  </pc:docChgLst>
   <pc:docChgLst>
     <pc:chgData name="Milijana Surbatovich" userId="34f022815c94af0f" providerId="LiveId" clId="{8D9C989C-D038-4D92-A946-9431E558662F}"/>
     <pc:docChg chg="undo custSel addSld modSld modMainMaster">
@@ -309,15 +943,15 @@
         </p:nvSpPr>
         <p:spPr>
           <a:xfrm>
-            <a:off x="685800" y="1122363"/>
-            <a:ext cx="7772400" cy="2387600"/>
+            <a:off x="1085850" y="748242"/>
+            <a:ext cx="6515100" cy="1591733"/>
           </a:xfrm>
         </p:spPr>
         <p:txBody>
           <a:bodyPr anchor="b"/>
           <a:lstStyle>
             <a:lvl1pPr algn="ctr">
-              <a:defRPr sz="6000"/>
+              <a:defRPr sz="4000"/>
             </a:lvl1pPr>
           </a:lstStyle>
           <a:p>
@@ -341,8 +975,8 @@
         </p:nvSpPr>
         <p:spPr>
           <a:xfrm>
-            <a:off x="1143000" y="3602038"/>
-            <a:ext cx="6858000" cy="1655762"/>
+            <a:off x="1085850" y="2401359"/>
+            <a:ext cx="6515100" cy="1103841"/>
           </a:xfrm>
         </p:spPr>
         <p:txBody>
@@ -350,39 +984,39 @@
           <a:lstStyle>
             <a:lvl1pPr marL="0" indent="0" algn="ctr">
               <a:buNone/>
-              <a:defRPr sz="2400"/>
+              <a:defRPr sz="1600"/>
             </a:lvl1pPr>
-            <a:lvl2pPr marL="457200" indent="0" algn="ctr">
-              <a:buNone/>
-              <a:defRPr sz="2000"/>
+            <a:lvl2pPr marL="304815" indent="0" algn="ctr">
+              <a:buNone/>
+              <a:defRPr sz="1333"/>
             </a:lvl2pPr>
-            <a:lvl3pPr marL="914400" indent="0" algn="ctr">
-              <a:buNone/>
-              <a:defRPr sz="1800"/>
+            <a:lvl3pPr marL="609630" indent="0" algn="ctr">
+              <a:buNone/>
+              <a:defRPr sz="1200"/>
             </a:lvl3pPr>
-            <a:lvl4pPr marL="1371600" indent="0" algn="ctr">
-              <a:buNone/>
-              <a:defRPr sz="1600"/>
+            <a:lvl4pPr marL="914446" indent="0" algn="ctr">
+              <a:buNone/>
+              <a:defRPr sz="1067"/>
             </a:lvl4pPr>
-            <a:lvl5pPr marL="1828800" indent="0" algn="ctr">
-              <a:buNone/>
-              <a:defRPr sz="1600"/>
+            <a:lvl5pPr marL="1219261" indent="0" algn="ctr">
+              <a:buNone/>
+              <a:defRPr sz="1067"/>
             </a:lvl5pPr>
-            <a:lvl6pPr marL="2286000" indent="0" algn="ctr">
-              <a:buNone/>
-              <a:defRPr sz="1600"/>
+            <a:lvl6pPr marL="1524076" indent="0" algn="ctr">
+              <a:buNone/>
+              <a:defRPr sz="1067"/>
             </a:lvl6pPr>
-            <a:lvl7pPr marL="2743200" indent="0" algn="ctr">
-              <a:buNone/>
-              <a:defRPr sz="1600"/>
+            <a:lvl7pPr marL="1828891" indent="0" algn="ctr">
+              <a:buNone/>
+              <a:defRPr sz="1067"/>
             </a:lvl7pPr>
-            <a:lvl8pPr marL="3200400" indent="0" algn="ctr">
-              <a:buNone/>
-              <a:defRPr sz="1600"/>
+            <a:lvl8pPr marL="2133707" indent="0" algn="ctr">
+              <a:buNone/>
+              <a:defRPr sz="1067"/>
             </a:lvl8pPr>
-            <a:lvl9pPr marL="3657600" indent="0" algn="ctr">
-              <a:buNone/>
-              <a:defRPr sz="1600"/>
+            <a:lvl9pPr marL="2438522" indent="0" algn="ctr">
+              <a:buNone/>
+              <a:defRPr sz="1067"/>
             </a:lvl9pPr>
           </a:lstStyle>
           <a:p>
@@ -411,7 +1045,7 @@
           <a:p>
             <a:fld id="{DD53F959-3F16-42CA-9B1E-4CEFAA417EE0}" type="datetimeFigureOut">
               <a:rPr lang="en-US" smtClean="0"/>
-              <a:t>4/23/2018</a:t>
+              <a:t>5/7/2018</a:t>
             </a:fld>
             <a:endParaRPr lang="en-US"/>
           </a:p>
@@ -462,7 +1096,7 @@
     </p:spTree>
     <p:extLst>
       <p:ext uri="{BB962C8B-B14F-4D97-AF65-F5344CB8AC3E}">
-        <p14:creationId xmlns:p14="http://schemas.microsoft.com/office/powerpoint/2010/main" val="3594370318"/>
+        <p14:creationId xmlns:p14="http://schemas.microsoft.com/office/powerpoint/2010/main" val="3610036576"/>
       </p:ext>
     </p:extLst>
   </p:cSld>
@@ -581,7 +1215,7 @@
           <a:p>
             <a:fld id="{DD53F959-3F16-42CA-9B1E-4CEFAA417EE0}" type="datetimeFigureOut">
               <a:rPr lang="en-US" smtClean="0"/>
-              <a:t>4/23/2018</a:t>
+              <a:t>5/7/2018</a:t>
             </a:fld>
             <a:endParaRPr lang="en-US"/>
           </a:p>
@@ -632,7 +1266,7 @@
     </p:spTree>
     <p:extLst>
       <p:ext uri="{BB962C8B-B14F-4D97-AF65-F5344CB8AC3E}">
-        <p14:creationId xmlns:p14="http://schemas.microsoft.com/office/powerpoint/2010/main" val="1536516013"/>
+        <p14:creationId xmlns:p14="http://schemas.microsoft.com/office/powerpoint/2010/main" val="139945583"/>
       </p:ext>
     </p:extLst>
   </p:cSld>
@@ -671,8 +1305,8 @@
         </p:nvSpPr>
         <p:spPr>
           <a:xfrm>
-            <a:off x="6543675" y="365125"/>
-            <a:ext cx="1971675" cy="5811838"/>
+            <a:off x="6216491" y="243417"/>
+            <a:ext cx="1873091" cy="3874559"/>
           </a:xfrm>
         </p:spPr>
         <p:txBody>
@@ -699,8 +1333,8 @@
         </p:nvSpPr>
         <p:spPr>
           <a:xfrm>
-            <a:off x="628650" y="365125"/>
-            <a:ext cx="5800725" cy="5811838"/>
+            <a:off x="597217" y="243417"/>
+            <a:ext cx="5510689" cy="3874559"/>
           </a:xfrm>
         </p:spPr>
         <p:txBody>
@@ -761,7 +1395,7 @@
           <a:p>
             <a:fld id="{DD53F959-3F16-42CA-9B1E-4CEFAA417EE0}" type="datetimeFigureOut">
               <a:rPr lang="en-US" smtClean="0"/>
-              <a:t>4/23/2018</a:t>
+              <a:t>5/7/2018</a:t>
             </a:fld>
             <a:endParaRPr lang="en-US"/>
           </a:p>
@@ -812,7 +1446,7 @@
     </p:spTree>
     <p:extLst>
       <p:ext uri="{BB962C8B-B14F-4D97-AF65-F5344CB8AC3E}">
-        <p14:creationId xmlns:p14="http://schemas.microsoft.com/office/powerpoint/2010/main" val="3863494523"/>
+        <p14:creationId xmlns:p14="http://schemas.microsoft.com/office/powerpoint/2010/main" val="752204767"/>
       </p:ext>
     </p:extLst>
   </p:cSld>
@@ -931,7 +1565,7 @@
           <a:p>
             <a:fld id="{DD53F959-3F16-42CA-9B1E-4CEFAA417EE0}" type="datetimeFigureOut">
               <a:rPr lang="en-US" smtClean="0"/>
-              <a:t>4/23/2018</a:t>
+              <a:t>5/7/2018</a:t>
             </a:fld>
             <a:endParaRPr lang="en-US"/>
           </a:p>
@@ -982,7 +1616,7 @@
     </p:spTree>
     <p:extLst>
       <p:ext uri="{BB962C8B-B14F-4D97-AF65-F5344CB8AC3E}">
-        <p14:creationId xmlns:p14="http://schemas.microsoft.com/office/powerpoint/2010/main" val="2962366245"/>
+        <p14:creationId xmlns:p14="http://schemas.microsoft.com/office/powerpoint/2010/main" val="3102823947"/>
       </p:ext>
     </p:extLst>
   </p:cSld>
@@ -1021,15 +1655,15 @@
         </p:nvSpPr>
         <p:spPr>
           <a:xfrm>
-            <a:off x="623888" y="1709739"/>
-            <a:ext cx="7886700" cy="2852737"/>
+            <a:off x="592693" y="1139826"/>
+            <a:ext cx="7492365" cy="1901825"/>
           </a:xfrm>
         </p:spPr>
         <p:txBody>
           <a:bodyPr anchor="b"/>
           <a:lstStyle>
             <a:lvl1pPr>
-              <a:defRPr sz="6000"/>
+              <a:defRPr sz="4000"/>
             </a:lvl1pPr>
           </a:lstStyle>
           <a:p>
@@ -1053,8 +1687,8 @@
         </p:nvSpPr>
         <p:spPr>
           <a:xfrm>
-            <a:off x="623888" y="4589464"/>
-            <a:ext cx="7886700" cy="1500187"/>
+            <a:off x="592693" y="3059642"/>
+            <a:ext cx="7492365" cy="1000125"/>
           </a:xfrm>
         </p:spPr>
         <p:txBody>
@@ -1062,91 +1696,93 @@
           <a:lstStyle>
             <a:lvl1pPr marL="0" indent="0">
               <a:buNone/>
-              <a:defRPr sz="2400">
-                <a:solidFill>
-                  <a:schemeClr val="tx1"/>
-                </a:solidFill>
-              </a:defRPr>
-            </a:lvl1pPr>
-            <a:lvl2pPr marL="457200" indent="0">
-              <a:buNone/>
-              <a:defRPr sz="2000">
+              <a:defRPr sz="1600">
                 <a:solidFill>
                   <a:schemeClr val="tx1">
                     <a:tint val="75000"/>
                   </a:schemeClr>
                 </a:solidFill>
               </a:defRPr>
-            </a:lvl2pPr>
-            <a:lvl3pPr marL="914400" indent="0">
-              <a:buNone/>
-              <a:defRPr sz="1800">
+            </a:lvl1pPr>
+            <a:lvl2pPr marL="304815" indent="0">
+              <a:buNone/>
+              <a:defRPr sz="1333">
                 <a:solidFill>
                   <a:schemeClr val="tx1">
                     <a:tint val="75000"/>
                   </a:schemeClr>
                 </a:solidFill>
               </a:defRPr>
-            </a:lvl3pPr>
-            <a:lvl4pPr marL="1371600" indent="0">
-              <a:buNone/>
-              <a:defRPr sz="1600">
+            </a:lvl2pPr>
+            <a:lvl3pPr marL="609630" indent="0">
+              <a:buNone/>
+              <a:defRPr sz="1200">
                 <a:solidFill>
                   <a:schemeClr val="tx1">
                     <a:tint val="75000"/>
                   </a:schemeClr>
                 </a:solidFill>
               </a:defRPr>
-            </a:lvl4pPr>
-            <a:lvl5pPr marL="1828800" indent="0">
-              <a:buNone/>
-              <a:defRPr sz="1600">
+            </a:lvl3pPr>
+            <a:lvl4pPr marL="914446" indent="0">
+              <a:buNone/>
+              <a:defRPr sz="1067">
                 <a:solidFill>
                   <a:schemeClr val="tx1">
                     <a:tint val="75000"/>
                   </a:schemeClr>
                 </a:solidFill>
               </a:defRPr>
-            </a:lvl5pPr>
-            <a:lvl6pPr marL="2286000" indent="0">
-              <a:buNone/>
-              <a:defRPr sz="1600">
+            </a:lvl4pPr>
+            <a:lvl5pPr marL="1219261" indent="0">
+              <a:buNone/>
+              <a:defRPr sz="1067">
                 <a:solidFill>
                   <a:schemeClr val="tx1">
                     <a:tint val="75000"/>
                   </a:schemeClr>
                 </a:solidFill>
               </a:defRPr>
-            </a:lvl6pPr>
-            <a:lvl7pPr marL="2743200" indent="0">
-              <a:buNone/>
-              <a:defRPr sz="1600">
+            </a:lvl5pPr>
+            <a:lvl6pPr marL="1524076" indent="0">
+              <a:buNone/>
+              <a:defRPr sz="1067">
                 <a:solidFill>
                   <a:schemeClr val="tx1">
                     <a:tint val="75000"/>
                   </a:schemeClr>
                 </a:solidFill>
               </a:defRPr>
-            </a:lvl7pPr>
-            <a:lvl8pPr marL="3200400" indent="0">
-              <a:buNone/>
-              <a:defRPr sz="1600">
+            </a:lvl6pPr>
+            <a:lvl7pPr marL="1828891" indent="0">
+              <a:buNone/>
+              <a:defRPr sz="1067">
                 <a:solidFill>
                   <a:schemeClr val="tx1">
                     <a:tint val="75000"/>
                   </a:schemeClr>
                 </a:solidFill>
               </a:defRPr>
-            </a:lvl8pPr>
-            <a:lvl9pPr marL="3657600" indent="0">
-              <a:buNone/>
-              <a:defRPr sz="1600">
+            </a:lvl7pPr>
+            <a:lvl8pPr marL="2133707" indent="0">
+              <a:buNone/>
+              <a:defRPr sz="1067">
                 <a:solidFill>
                   <a:schemeClr val="tx1">
                     <a:tint val="75000"/>
                   </a:schemeClr>
                 </a:solidFill>
               </a:defRPr>
+            </a:lvl8pPr>
+            <a:lvl9pPr marL="2438522" indent="0">
+              <a:buNone/>
+              <a:defRPr sz="1067">
+                <a:solidFill>
+                  <a:schemeClr val="tx1">
+                    <a:tint val="75000"/>
+                  </a:schemeClr>
+                </a:solidFill>
+              </a:defRPr>
             </a:lvl9pPr>
           </a:lstStyle>
           <a:p>
@@ -1175,7 +1811,7 @@
           <a:p>
             <a:fld id="{DD53F959-3F16-42CA-9B1E-4CEFAA417EE0}" type="datetimeFigureOut">
               <a:rPr lang="en-US" smtClean="0"/>
-              <a:t>4/23/2018</a:t>
+              <a:t>5/7/2018</a:t>
             </a:fld>
             <a:endParaRPr lang="en-US"/>
           </a:p>
@@ -1226,7 +1862,7 @@
     </p:spTree>
     <p:extLst>
       <p:ext uri="{BB962C8B-B14F-4D97-AF65-F5344CB8AC3E}">
-        <p14:creationId xmlns:p14="http://schemas.microsoft.com/office/powerpoint/2010/main" val="2801578967"/>
+        <p14:creationId xmlns:p14="http://schemas.microsoft.com/office/powerpoint/2010/main" val="3526386102"/>
       </p:ext>
     </p:extLst>
   </p:cSld>
@@ -1288,8 +1924,8 @@
         </p:nvSpPr>
         <p:spPr>
           <a:xfrm>
-            <a:off x="628650" y="1825625"/>
-            <a:ext cx="3886200" cy="4351338"/>
+            <a:off x="597218" y="1217083"/>
+            <a:ext cx="3691890" cy="2900892"/>
           </a:xfrm>
         </p:spPr>
         <p:txBody>
@@ -1345,8 +1981,8 @@
         </p:nvSpPr>
         <p:spPr>
           <a:xfrm>
-            <a:off x="4629150" y="1825625"/>
-            <a:ext cx="3886200" cy="4351338"/>
+            <a:off x="4397693" y="1217083"/>
+            <a:ext cx="3691890" cy="2900892"/>
           </a:xfrm>
         </p:spPr>
         <p:txBody>
@@ -1407,7 +2043,7 @@
           <a:p>
             <a:fld id="{DD53F959-3F16-42CA-9B1E-4CEFAA417EE0}" type="datetimeFigureOut">
               <a:rPr lang="en-US" smtClean="0"/>
-              <a:t>4/23/2018</a:t>
+              <a:t>5/7/2018</a:t>
             </a:fld>
             <a:endParaRPr lang="en-US"/>
           </a:p>
@@ -1458,7 +2094,7 @@
     </p:spTree>
     <p:extLst>
       <p:ext uri="{BB962C8B-B14F-4D97-AF65-F5344CB8AC3E}">
-        <p14:creationId xmlns:p14="http://schemas.microsoft.com/office/powerpoint/2010/main" val="107373305"/>
+        <p14:creationId xmlns:p14="http://schemas.microsoft.com/office/powerpoint/2010/main" val="4062394960"/>
       </p:ext>
     </p:extLst>
   </p:cSld>
@@ -1497,8 +2133,8 @@
         </p:nvSpPr>
         <p:spPr>
           <a:xfrm>
-            <a:off x="629841" y="365126"/>
-            <a:ext cx="7886700" cy="1325563"/>
+            <a:off x="598349" y="243417"/>
+            <a:ext cx="7492365" cy="883709"/>
           </a:xfrm>
         </p:spPr>
         <p:txBody>
@@ -1525,8 +2161,8 @@
         </p:nvSpPr>
         <p:spPr>
           <a:xfrm>
-            <a:off x="629842" y="1681163"/>
-            <a:ext cx="3868340" cy="823912"/>
+            <a:off x="598349" y="1120775"/>
+            <a:ext cx="3674923" cy="549275"/>
           </a:xfrm>
         </p:spPr>
         <p:txBody>
@@ -1534,39 +2170,39 @@
           <a:lstStyle>
             <a:lvl1pPr marL="0" indent="0">
               <a:buNone/>
-              <a:defRPr sz="2400" b="1"/>
+              <a:defRPr sz="1600" b="1"/>
             </a:lvl1pPr>
-            <a:lvl2pPr marL="457200" indent="0">
-              <a:buNone/>
-              <a:defRPr sz="2000" b="1"/>
+            <a:lvl2pPr marL="304815" indent="0">
+              <a:buNone/>
+              <a:defRPr sz="1333" b="1"/>
             </a:lvl2pPr>
-            <a:lvl3pPr marL="914400" indent="0">
-              <a:buNone/>
-              <a:defRPr sz="1800" b="1"/>
+            <a:lvl3pPr marL="609630" indent="0">
+              <a:buNone/>
+              <a:defRPr sz="1200" b="1"/>
             </a:lvl3pPr>
-            <a:lvl4pPr marL="1371600" indent="0">
-              <a:buNone/>
-              <a:defRPr sz="1600" b="1"/>
+            <a:lvl4pPr marL="914446" indent="0">
+              <a:buNone/>
+              <a:defRPr sz="1067" b="1"/>
             </a:lvl4pPr>
-            <a:lvl5pPr marL="1828800" indent="0">
-              <a:buNone/>
-              <a:defRPr sz="1600" b="1"/>
+            <a:lvl5pPr marL="1219261" indent="0">
+              <a:buNone/>
+              <a:defRPr sz="1067" b="1"/>
             </a:lvl5pPr>
-            <a:lvl6pPr marL="2286000" indent="0">
-              <a:buNone/>
-              <a:defRPr sz="1600" b="1"/>
+            <a:lvl6pPr marL="1524076" indent="0">
+              <a:buNone/>
+              <a:defRPr sz="1067" b="1"/>
             </a:lvl6pPr>
-            <a:lvl7pPr marL="2743200" indent="0">
-              <a:buNone/>
-              <a:defRPr sz="1600" b="1"/>
+            <a:lvl7pPr marL="1828891" indent="0">
+              <a:buNone/>
+              <a:defRPr sz="1067" b="1"/>
             </a:lvl7pPr>
-            <a:lvl8pPr marL="3200400" indent="0">
-              <a:buNone/>
-              <a:defRPr sz="1600" b="1"/>
+            <a:lvl8pPr marL="2133707" indent="0">
+              <a:buNone/>
+              <a:defRPr sz="1067" b="1"/>
             </a:lvl8pPr>
-            <a:lvl9pPr marL="3657600" indent="0">
-              <a:buNone/>
-              <a:defRPr sz="1600" b="1"/>
+            <a:lvl9pPr marL="2438522" indent="0">
+              <a:buNone/>
+              <a:defRPr sz="1067" b="1"/>
             </a:lvl9pPr>
           </a:lstStyle>
           <a:p>
@@ -1590,8 +2226,8 @@
         </p:nvSpPr>
         <p:spPr>
           <a:xfrm>
-            <a:off x="629842" y="2505075"/>
-            <a:ext cx="3868340" cy="3684588"/>
+            <a:off x="598349" y="1670050"/>
+            <a:ext cx="3674923" cy="2456392"/>
           </a:xfrm>
         </p:spPr>
         <p:txBody>
@@ -1647,8 +2283,8 @@
         </p:nvSpPr>
         <p:spPr>
           <a:xfrm>
-            <a:off x="4629150" y="1681163"/>
-            <a:ext cx="3887391" cy="823912"/>
+            <a:off x="4397693" y="1120775"/>
+            <a:ext cx="3693021" cy="549275"/>
           </a:xfrm>
         </p:spPr>
         <p:txBody>
@@ -1656,39 +2292,39 @@
           <a:lstStyle>
             <a:lvl1pPr marL="0" indent="0">
               <a:buNone/>
-              <a:defRPr sz="2400" b="1"/>
+              <a:defRPr sz="1600" b="1"/>
             </a:lvl1pPr>
-            <a:lvl2pPr marL="457200" indent="0">
-              <a:buNone/>
-              <a:defRPr sz="2000" b="1"/>
+            <a:lvl2pPr marL="304815" indent="0">
+              <a:buNone/>
+              <a:defRPr sz="1333" b="1"/>
             </a:lvl2pPr>
-            <a:lvl3pPr marL="914400" indent="0">
-              <a:buNone/>
-              <a:defRPr sz="1800" b="1"/>
+            <a:lvl3pPr marL="609630" indent="0">
+              <a:buNone/>
+              <a:defRPr sz="1200" b="1"/>
             </a:lvl3pPr>
-            <a:lvl4pPr marL="1371600" indent="0">
-              <a:buNone/>
-              <a:defRPr sz="1600" b="1"/>
+            <a:lvl4pPr marL="914446" indent="0">
+              <a:buNone/>
+              <a:defRPr sz="1067" b="1"/>
             </a:lvl4pPr>
-            <a:lvl5pPr marL="1828800" indent="0">
-              <a:buNone/>
-              <a:defRPr sz="1600" b="1"/>
+            <a:lvl5pPr marL="1219261" indent="0">
+              <a:buNone/>
+              <a:defRPr sz="1067" b="1"/>
             </a:lvl5pPr>
-            <a:lvl6pPr marL="2286000" indent="0">
-              <a:buNone/>
-              <a:defRPr sz="1600" b="1"/>
+            <a:lvl6pPr marL="1524076" indent="0">
+              <a:buNone/>
+              <a:defRPr sz="1067" b="1"/>
             </a:lvl6pPr>
-            <a:lvl7pPr marL="2743200" indent="0">
-              <a:buNone/>
-              <a:defRPr sz="1600" b="1"/>
+            <a:lvl7pPr marL="1828891" indent="0">
+              <a:buNone/>
+              <a:defRPr sz="1067" b="1"/>
             </a:lvl7pPr>
-            <a:lvl8pPr marL="3200400" indent="0">
-              <a:buNone/>
-              <a:defRPr sz="1600" b="1"/>
+            <a:lvl8pPr marL="2133707" indent="0">
+              <a:buNone/>
+              <a:defRPr sz="1067" b="1"/>
             </a:lvl8pPr>
-            <a:lvl9pPr marL="3657600" indent="0">
-              <a:buNone/>
-              <a:defRPr sz="1600" b="1"/>
+            <a:lvl9pPr marL="2438522" indent="0">
+              <a:buNone/>
+              <a:defRPr sz="1067" b="1"/>
             </a:lvl9pPr>
           </a:lstStyle>
           <a:p>
@@ -1712,8 +2348,8 @@
         </p:nvSpPr>
         <p:spPr>
           <a:xfrm>
-            <a:off x="4629150" y="2505075"/>
-            <a:ext cx="3887391" cy="3684588"/>
+            <a:off x="4397693" y="1670050"/>
+            <a:ext cx="3693021" cy="2456392"/>
           </a:xfrm>
         </p:spPr>
         <p:txBody>
@@ -1774,7 +2410,7 @@
           <a:p>
             <a:fld id="{DD53F959-3F16-42CA-9B1E-4CEFAA417EE0}" type="datetimeFigureOut">
               <a:rPr lang="en-US" smtClean="0"/>
-              <a:t>4/23/2018</a:t>
+              <a:t>5/7/2018</a:t>
             </a:fld>
             <a:endParaRPr lang="en-US"/>
           </a:p>
@@ -1825,7 +2461,7 @@
     </p:spTree>
     <p:extLst>
       <p:ext uri="{BB962C8B-B14F-4D97-AF65-F5344CB8AC3E}">
-        <p14:creationId xmlns:p14="http://schemas.microsoft.com/office/powerpoint/2010/main" val="605396882"/>
+        <p14:creationId xmlns:p14="http://schemas.microsoft.com/office/powerpoint/2010/main" val="177827395"/>
       </p:ext>
     </p:extLst>
   </p:cSld>
@@ -1892,7 +2528,7 @@
           <a:p>
             <a:fld id="{DD53F959-3F16-42CA-9B1E-4CEFAA417EE0}" type="datetimeFigureOut">
               <a:rPr lang="en-US" smtClean="0"/>
-              <a:t>4/23/2018</a:t>
+              <a:t>5/7/2018</a:t>
             </a:fld>
             <a:endParaRPr lang="en-US"/>
           </a:p>
@@ -1943,7 +2579,7 @@
     </p:spTree>
     <p:extLst>
       <p:ext uri="{BB962C8B-B14F-4D97-AF65-F5344CB8AC3E}">
-        <p14:creationId xmlns:p14="http://schemas.microsoft.com/office/powerpoint/2010/main" val="1404366708"/>
+        <p14:creationId xmlns:p14="http://schemas.microsoft.com/office/powerpoint/2010/main" val="2414267596"/>
       </p:ext>
     </p:extLst>
   </p:cSld>
@@ -1987,7 +2623,7 @@
           <a:p>
             <a:fld id="{DD53F959-3F16-42CA-9B1E-4CEFAA417EE0}" type="datetimeFigureOut">
               <a:rPr lang="en-US" smtClean="0"/>
-              <a:t>4/23/2018</a:t>
+              <a:t>5/7/2018</a:t>
             </a:fld>
             <a:endParaRPr lang="en-US"/>
           </a:p>
@@ -2038,7 +2674,7 @@
     </p:spTree>
     <p:extLst>
       <p:ext uri="{BB962C8B-B14F-4D97-AF65-F5344CB8AC3E}">
-        <p14:creationId xmlns:p14="http://schemas.microsoft.com/office/powerpoint/2010/main" val="1467652477"/>
+        <p14:creationId xmlns:p14="http://schemas.microsoft.com/office/powerpoint/2010/main" val="2239364518"/>
       </p:ext>
     </p:extLst>
   </p:cSld>
@@ -2077,15 +2713,15 @@
         </p:nvSpPr>
         <p:spPr>
           <a:xfrm>
-            <a:off x="629841" y="457200"/>
-            <a:ext cx="2949178" cy="1600200"/>
+            <a:off x="598349" y="304800"/>
+            <a:ext cx="2801719" cy="1066800"/>
           </a:xfrm>
         </p:spPr>
         <p:txBody>
           <a:bodyPr anchor="b"/>
           <a:lstStyle>
             <a:lvl1pPr>
-              <a:defRPr sz="3200"/>
+              <a:defRPr sz="2133"/>
             </a:lvl1pPr>
           </a:lstStyle>
           <a:p>
@@ -2109,39 +2745,39 @@
         </p:nvSpPr>
         <p:spPr>
           <a:xfrm>
-            <a:off x="3887391" y="987426"/>
-            <a:ext cx="4629150" cy="4873625"/>
+            <a:off x="3693021" y="658284"/>
+            <a:ext cx="4397693" cy="3249083"/>
           </a:xfrm>
         </p:spPr>
         <p:txBody>
           <a:bodyPr/>
           <a:lstStyle>
             <a:lvl1pPr>
-              <a:defRPr sz="3200"/>
+              <a:defRPr sz="2133"/>
             </a:lvl1pPr>
             <a:lvl2pPr>
-              <a:defRPr sz="2800"/>
+              <a:defRPr sz="1867"/>
             </a:lvl2pPr>
             <a:lvl3pPr>
-              <a:defRPr sz="2400"/>
+              <a:defRPr sz="1600"/>
             </a:lvl3pPr>
             <a:lvl4pPr>
-              <a:defRPr sz="2000"/>
+              <a:defRPr sz="1333"/>
             </a:lvl4pPr>
             <a:lvl5pPr>
-              <a:defRPr sz="2000"/>
+              <a:defRPr sz="1333"/>
             </a:lvl5pPr>
             <a:lvl6pPr>
-              <a:defRPr sz="2000"/>
+              <a:defRPr sz="1333"/>
             </a:lvl6pPr>
             <a:lvl7pPr>
-              <a:defRPr sz="2000"/>
+              <a:defRPr sz="1333"/>
             </a:lvl7pPr>
             <a:lvl8pPr>
-              <a:defRPr sz="2000"/>
+              <a:defRPr sz="1333"/>
             </a:lvl8pPr>
             <a:lvl9pPr>
-              <a:defRPr sz="2000"/>
+              <a:defRPr sz="1333"/>
             </a:lvl9pPr>
           </a:lstStyle>
           <a:p>
@@ -2194,8 +2830,8 @@
         </p:nvSpPr>
         <p:spPr>
           <a:xfrm>
-            <a:off x="629841" y="2057400"/>
-            <a:ext cx="2949178" cy="3811588"/>
+            <a:off x="598349" y="1371600"/>
+            <a:ext cx="2801719" cy="2541059"/>
           </a:xfrm>
         </p:spPr>
         <p:txBody>
@@ -2203,39 +2839,39 @@
           <a:lstStyle>
             <a:lvl1pPr marL="0" indent="0">
               <a:buNone/>
-              <a:defRPr sz="1600"/>
+              <a:defRPr sz="1067"/>
             </a:lvl1pPr>
-            <a:lvl2pPr marL="457200" indent="0">
-              <a:buNone/>
-              <a:defRPr sz="1400"/>
+            <a:lvl2pPr marL="304815" indent="0">
+              <a:buNone/>
+              <a:defRPr sz="933"/>
             </a:lvl2pPr>
-            <a:lvl3pPr marL="914400" indent="0">
-              <a:buNone/>
-              <a:defRPr sz="1200"/>
+            <a:lvl3pPr marL="609630" indent="0">
+              <a:buNone/>
+              <a:defRPr sz="800"/>
             </a:lvl3pPr>
-            <a:lvl4pPr marL="1371600" indent="0">
-              <a:buNone/>
-              <a:defRPr sz="1000"/>
+            <a:lvl4pPr marL="914446" indent="0">
+              <a:buNone/>
+              <a:defRPr sz="667"/>
             </a:lvl4pPr>
-            <a:lvl5pPr marL="1828800" indent="0">
-              <a:buNone/>
-              <a:defRPr sz="1000"/>
+            <a:lvl5pPr marL="1219261" indent="0">
+              <a:buNone/>
+              <a:defRPr sz="667"/>
             </a:lvl5pPr>
-            <a:lvl6pPr marL="2286000" indent="0">
-              <a:buNone/>
-              <a:defRPr sz="1000"/>
+            <a:lvl6pPr marL="1524076" indent="0">
+              <a:buNone/>
+              <a:defRPr sz="667"/>
             </a:lvl6pPr>
-            <a:lvl7pPr marL="2743200" indent="0">
-              <a:buNone/>
-              <a:defRPr sz="1000"/>
+            <a:lvl7pPr marL="1828891" indent="0">
+              <a:buNone/>
+              <a:defRPr sz="667"/>
             </a:lvl7pPr>
-            <a:lvl8pPr marL="3200400" indent="0">
-              <a:buNone/>
-              <a:defRPr sz="1000"/>
+            <a:lvl8pPr marL="2133707" indent="0">
+              <a:buNone/>
+              <a:defRPr sz="667"/>
             </a:lvl8pPr>
-            <a:lvl9pPr marL="3657600" indent="0">
-              <a:buNone/>
-              <a:defRPr sz="1000"/>
+            <a:lvl9pPr marL="2438522" indent="0">
+              <a:buNone/>
+              <a:defRPr sz="667"/>
             </a:lvl9pPr>
           </a:lstStyle>
           <a:p>
@@ -2264,7 +2900,7 @@
           <a:p>
             <a:fld id="{DD53F959-3F16-42CA-9B1E-4CEFAA417EE0}" type="datetimeFigureOut">
               <a:rPr lang="en-US" smtClean="0"/>
-              <a:t>4/23/2018</a:t>
+              <a:t>5/7/2018</a:t>
             </a:fld>
             <a:endParaRPr lang="en-US"/>
           </a:p>
@@ -2315,7 +2951,7 @@
     </p:spTree>
     <p:extLst>
       <p:ext uri="{BB962C8B-B14F-4D97-AF65-F5344CB8AC3E}">
-        <p14:creationId xmlns:p14="http://schemas.microsoft.com/office/powerpoint/2010/main" val="2902235662"/>
+        <p14:creationId xmlns:p14="http://schemas.microsoft.com/office/powerpoint/2010/main" val="1072691423"/>
       </p:ext>
     </p:extLst>
   </p:cSld>
@@ -2354,15 +2990,15 @@
         </p:nvSpPr>
         <p:spPr>
           <a:xfrm>
-            <a:off x="629841" y="457200"/>
-            <a:ext cx="2949178" cy="1600200"/>
+            <a:off x="598349" y="304800"/>
+            <a:ext cx="2801719" cy="1066800"/>
           </a:xfrm>
         </p:spPr>
         <p:txBody>
           <a:bodyPr anchor="b"/>
           <a:lstStyle>
             <a:lvl1pPr>
-              <a:defRPr sz="3200"/>
+              <a:defRPr sz="2133"/>
             </a:lvl1pPr>
           </a:lstStyle>
           <a:p>
@@ -2386,8 +3022,8 @@
         </p:nvSpPr>
         <p:spPr>
           <a:xfrm>
-            <a:off x="3887391" y="987426"/>
-            <a:ext cx="4629150" cy="4873625"/>
+            <a:off x="3693021" y="658284"/>
+            <a:ext cx="4397693" cy="3249083"/>
           </a:xfrm>
         </p:spPr>
         <p:txBody>
@@ -2395,39 +3031,39 @@
           <a:lstStyle>
             <a:lvl1pPr marL="0" indent="0">
               <a:buNone/>
-              <a:defRPr sz="3200"/>
+              <a:defRPr sz="2133"/>
             </a:lvl1pPr>
-            <a:lvl2pPr marL="457200" indent="0">
-              <a:buNone/>
-              <a:defRPr sz="2800"/>
+            <a:lvl2pPr marL="304815" indent="0">
+              <a:buNone/>
+              <a:defRPr sz="1867"/>
             </a:lvl2pPr>
-            <a:lvl3pPr marL="914400" indent="0">
-              <a:buNone/>
-              <a:defRPr sz="2400"/>
+            <a:lvl3pPr marL="609630" indent="0">
+              <a:buNone/>
+              <a:defRPr sz="1600"/>
             </a:lvl3pPr>
-            <a:lvl4pPr marL="1371600" indent="0">
-              <a:buNone/>
-              <a:defRPr sz="2000"/>
+            <a:lvl4pPr marL="914446" indent="0">
+              <a:buNone/>
+              <a:defRPr sz="1333"/>
             </a:lvl4pPr>
-            <a:lvl5pPr marL="1828800" indent="0">
-              <a:buNone/>
-              <a:defRPr sz="2000"/>
+            <a:lvl5pPr marL="1219261" indent="0">
+              <a:buNone/>
+              <a:defRPr sz="1333"/>
             </a:lvl5pPr>
-            <a:lvl6pPr marL="2286000" indent="0">
-              <a:buNone/>
-              <a:defRPr sz="2000"/>
+            <a:lvl6pPr marL="1524076" indent="0">
+              <a:buNone/>
+              <a:defRPr sz="1333"/>
             </a:lvl6pPr>
-            <a:lvl7pPr marL="2743200" indent="0">
-              <a:buNone/>
-              <a:defRPr sz="2000"/>
+            <a:lvl7pPr marL="1828891" indent="0">
+              <a:buNone/>
+              <a:defRPr sz="1333"/>
             </a:lvl7pPr>
-            <a:lvl8pPr marL="3200400" indent="0">
-              <a:buNone/>
-              <a:defRPr sz="2000"/>
+            <a:lvl8pPr marL="2133707" indent="0">
+              <a:buNone/>
+              <a:defRPr sz="1333"/>
             </a:lvl8pPr>
-            <a:lvl9pPr marL="3657600" indent="0">
-              <a:buNone/>
-              <a:defRPr sz="2000"/>
+            <a:lvl9pPr marL="2438522" indent="0">
+              <a:buNone/>
+              <a:defRPr sz="1333"/>
             </a:lvl9pPr>
           </a:lstStyle>
           <a:p>
@@ -2451,8 +3087,8 @@
         </p:nvSpPr>
         <p:spPr>
           <a:xfrm>
-            <a:off x="629841" y="2057400"/>
-            <a:ext cx="2949178" cy="3811588"/>
+            <a:off x="598349" y="1371600"/>
+            <a:ext cx="2801719" cy="2541059"/>
           </a:xfrm>
         </p:spPr>
         <p:txBody>
@@ -2460,39 +3096,39 @@
           <a:lstStyle>
             <a:lvl1pPr marL="0" indent="0">
               <a:buNone/>
-              <a:defRPr sz="1600"/>
+              <a:defRPr sz="1067"/>
             </a:lvl1pPr>
-            <a:lvl2pPr marL="457200" indent="0">
-              <a:buNone/>
-              <a:defRPr sz="1400"/>
+            <a:lvl2pPr marL="304815" indent="0">
+              <a:buNone/>
+              <a:defRPr sz="933"/>
             </a:lvl2pPr>
-            <a:lvl3pPr marL="914400" indent="0">
-              <a:buNone/>
-              <a:defRPr sz="1200"/>
+            <a:lvl3pPr marL="609630" indent="0">
+              <a:buNone/>
+              <a:defRPr sz="800"/>
             </a:lvl3pPr>
-            <a:lvl4pPr marL="1371600" indent="0">
-              <a:buNone/>
-              <a:defRPr sz="1000"/>
+            <a:lvl4pPr marL="914446" indent="0">
+              <a:buNone/>
+              <a:defRPr sz="667"/>
             </a:lvl4pPr>
-            <a:lvl5pPr marL="1828800" indent="0">
-              <a:buNone/>
-              <a:defRPr sz="1000"/>
+            <a:lvl5pPr marL="1219261" indent="0">
+              <a:buNone/>
+              <a:defRPr sz="667"/>
             </a:lvl5pPr>
-            <a:lvl6pPr marL="2286000" indent="0">
-              <a:buNone/>
-              <a:defRPr sz="1000"/>
+            <a:lvl6pPr marL="1524076" indent="0">
+              <a:buNone/>
+              <a:defRPr sz="667"/>
             </a:lvl6pPr>
-            <a:lvl7pPr marL="2743200" indent="0">
-              <a:buNone/>
-              <a:defRPr sz="1000"/>
+            <a:lvl7pPr marL="1828891" indent="0">
+              <a:buNone/>
+              <a:defRPr sz="667"/>
             </a:lvl7pPr>
-            <a:lvl8pPr marL="3200400" indent="0">
-              <a:buNone/>
-              <a:defRPr sz="1000"/>
+            <a:lvl8pPr marL="2133707" indent="0">
+              <a:buNone/>
+              <a:defRPr sz="667"/>
             </a:lvl8pPr>
-            <a:lvl9pPr marL="3657600" indent="0">
-              <a:buNone/>
-              <a:defRPr sz="1000"/>
+            <a:lvl9pPr marL="2438522" indent="0">
+              <a:buNone/>
+              <a:defRPr sz="667"/>
             </a:lvl9pPr>
           </a:lstStyle>
           <a:p>
@@ -2521,7 +3157,7 @@
           <a:p>
             <a:fld id="{DD53F959-3F16-42CA-9B1E-4CEFAA417EE0}" type="datetimeFigureOut">
               <a:rPr lang="en-US" smtClean="0"/>
-              <a:t>4/23/2018</a:t>
+              <a:t>5/7/2018</a:t>
             </a:fld>
             <a:endParaRPr lang="en-US"/>
           </a:p>
@@ -2572,7 +3208,7 @@
     </p:spTree>
     <p:extLst>
       <p:ext uri="{BB962C8B-B14F-4D97-AF65-F5344CB8AC3E}">
-        <p14:creationId xmlns:p14="http://schemas.microsoft.com/office/powerpoint/2010/main" val="1965053205"/>
+        <p14:creationId xmlns:p14="http://schemas.microsoft.com/office/powerpoint/2010/main" val="1143435344"/>
       </p:ext>
     </p:extLst>
   </p:cSld>
@@ -2616,8 +3252,8 @@
         </p:nvSpPr>
         <p:spPr>
           <a:xfrm>
-            <a:off x="628650" y="365126"/>
-            <a:ext cx="7886700" cy="1325563"/>
+            <a:off x="597218" y="243417"/>
+            <a:ext cx="7492365" cy="883709"/>
           </a:xfrm>
           <a:prstGeom prst="rect">
             <a:avLst/>
@@ -2649,8 +3285,8 @@
         </p:nvSpPr>
         <p:spPr>
           <a:xfrm>
-            <a:off x="628650" y="1825625"/>
-            <a:ext cx="7886700" cy="4351338"/>
+            <a:off x="597218" y="1217083"/>
+            <a:ext cx="7492365" cy="2900892"/>
           </a:xfrm>
           <a:prstGeom prst="rect">
             <a:avLst/>
@@ -2711,8 +3347,8 @@
         </p:nvSpPr>
         <p:spPr>
           <a:xfrm>
-            <a:off x="628650" y="6356351"/>
-            <a:ext cx="2057400" cy="365125"/>
+            <a:off x="597218" y="4237567"/>
+            <a:ext cx="1954530" cy="243417"/>
           </a:xfrm>
           <a:prstGeom prst="rect">
             <a:avLst/>
@@ -2722,7 +3358,7 @@
           <a:bodyPr vert="horz" lIns="91440" tIns="45720" rIns="91440" bIns="45720" rtlCol="0" anchor="ctr"/>
           <a:lstStyle>
             <a:lvl1pPr algn="l">
-              <a:defRPr sz="1200">
+              <a:defRPr sz="800">
                 <a:solidFill>
                   <a:schemeClr val="tx1">
                     <a:tint val="75000"/>
@@ -2734,7 +3370,7 @@
           <a:p>
             <a:fld id="{DD53F959-3F16-42CA-9B1E-4CEFAA417EE0}" type="datetimeFigureOut">
               <a:rPr lang="en-US" smtClean="0"/>
-              <a:t>4/23/2018</a:t>
+              <a:t>5/7/2018</a:t>
             </a:fld>
             <a:endParaRPr lang="en-US"/>
           </a:p>
@@ -2752,8 +3388,8 @@
         </p:nvSpPr>
         <p:spPr>
           <a:xfrm>
-            <a:off x="3028950" y="6356351"/>
-            <a:ext cx="3086100" cy="365125"/>
+            <a:off x="2877503" y="4237567"/>
+            <a:ext cx="2931795" cy="243417"/>
           </a:xfrm>
           <a:prstGeom prst="rect">
             <a:avLst/>
@@ -2763,7 +3399,7 @@
           <a:bodyPr vert="horz" lIns="91440" tIns="45720" rIns="91440" bIns="45720" rtlCol="0" anchor="ctr"/>
           <a:lstStyle>
             <a:lvl1pPr algn="ctr">
-              <a:defRPr sz="1200">
+              <a:defRPr sz="800">
                 <a:solidFill>
                   <a:schemeClr val="tx1">
                     <a:tint val="75000"/>
@@ -2789,8 +3425,8 @@
         </p:nvSpPr>
         <p:spPr>
           <a:xfrm>
-            <a:off x="6457950" y="6356351"/>
-            <a:ext cx="2057400" cy="365125"/>
+            <a:off x="6135053" y="4237567"/>
+            <a:ext cx="1954530" cy="243417"/>
           </a:xfrm>
           <a:prstGeom prst="rect">
             <a:avLst/>
@@ -2800,7 +3436,7 @@
           <a:bodyPr vert="horz" lIns="91440" tIns="45720" rIns="91440" bIns="45720" rtlCol="0" anchor="ctr"/>
           <a:lstStyle>
             <a:lvl1pPr algn="r">
-              <a:defRPr sz="1200">
+              <a:defRPr sz="800">
                 <a:solidFill>
                   <a:schemeClr val="tx1">
                     <a:tint val="75000"/>
@@ -2821,27 +3457,27 @@
     </p:spTree>
     <p:extLst>
       <p:ext uri="{BB962C8B-B14F-4D97-AF65-F5344CB8AC3E}">
-        <p14:creationId xmlns:p14="http://schemas.microsoft.com/office/powerpoint/2010/main" val="568517320"/>
+        <p14:creationId xmlns:p14="http://schemas.microsoft.com/office/powerpoint/2010/main" val="3324910022"/>
       </p:ext>
     </p:extLst>
   </p:cSld>
   <p:clrMap bg1="lt1" tx1="dk1" bg2="lt2" tx2="dk2" accent1="accent1" accent2="accent2" accent3="accent3" accent4="accent4" accent5="accent5" accent6="accent6" hlink="hlink" folHlink="folHlink"/>
   <p:sldLayoutIdLst>
-    <p:sldLayoutId id="2147483661" r:id="rId1"/>
-    <p:sldLayoutId id="2147483662" r:id="rId2"/>
-    <p:sldLayoutId id="2147483663" r:id="rId3"/>
-    <p:sldLayoutId id="2147483664" r:id="rId4"/>
-    <p:sldLayoutId id="2147483665" r:id="rId5"/>
-    <p:sldLayoutId id="2147483666" r:id="rId6"/>
-    <p:sldLayoutId id="2147483667" r:id="rId7"/>
-    <p:sldLayoutId id="2147483668" r:id="rId8"/>
-    <p:sldLayoutId id="2147483669" r:id="rId9"/>
-    <p:sldLayoutId id="2147483670" r:id="rId10"/>
-    <p:sldLayoutId id="2147483671" r:id="rId11"/>
+    <p:sldLayoutId id="2147483721" r:id="rId1"/>
+    <p:sldLayoutId id="2147483722" r:id="rId2"/>
+    <p:sldLayoutId id="2147483723" r:id="rId3"/>
+    <p:sldLayoutId id="2147483724" r:id="rId4"/>
+    <p:sldLayoutId id="2147483725" r:id="rId5"/>
+    <p:sldLayoutId id="2147483726" r:id="rId6"/>
+    <p:sldLayoutId id="2147483727" r:id="rId7"/>
+    <p:sldLayoutId id="2147483728" r:id="rId8"/>
+    <p:sldLayoutId id="2147483729" r:id="rId9"/>
+    <p:sldLayoutId id="2147483730" r:id="rId10"/>
+    <p:sldLayoutId id="2147483731" r:id="rId11"/>
   </p:sldLayoutIdLst>
   <p:txStyles>
     <p:titleStyle>
-      <a:lvl1pPr algn="l" defTabSz="914400" rtl="0" eaLnBrk="1" latinLnBrk="0" hangingPunct="1">
+      <a:lvl1pPr algn="l" defTabSz="609630" rtl="0" eaLnBrk="1" latinLnBrk="0" hangingPunct="1">
         <a:lnSpc>
           <a:spcPct val="90000"/>
         </a:lnSpc>
@@ -2849,7 +3485,7 @@
           <a:spcPct val="0"/>
         </a:spcBef>
         <a:buNone/>
-        <a:defRPr sz="4400" kern="1200">
+        <a:defRPr sz="2933" kern="1200">
           <a:solidFill>
             <a:schemeClr val="tx1"/>
           </a:solidFill>
@@ -2860,16 +3496,16 @@
       </a:lvl1pPr>
     </p:titleStyle>
     <p:bodyStyle>
-      <a:lvl1pPr marL="228600" indent="-228600" algn="l" defTabSz="914400" rtl="0" eaLnBrk="1" latinLnBrk="0" hangingPunct="1">
+      <a:lvl1pPr marL="152408" indent="-152408" algn="l" defTabSz="609630" rtl="0" eaLnBrk="1" latinLnBrk="0" hangingPunct="1">
         <a:lnSpc>
           <a:spcPct val="90000"/>
         </a:lnSpc>
         <a:spcBef>
-          <a:spcPts val="1000"/>
+          <a:spcPts val="667"/>
         </a:spcBef>
         <a:buFont typeface="Arial" panose="020B0604020202020204" pitchFamily="34" charset="0"/>
         <a:buChar char="•"/>
-        <a:defRPr sz="2800" kern="1200">
+        <a:defRPr sz="1867" kern="1200">
           <a:solidFill>
             <a:schemeClr val="tx1"/>
           </a:solidFill>
@@ -2878,16 +3514,16 @@
           <a:cs typeface="+mn-cs"/>
         </a:defRPr>
       </a:lvl1pPr>
-      <a:lvl2pPr marL="685800" indent="-228600" algn="l" defTabSz="914400" rtl="0" eaLnBrk="1" latinLnBrk="0" hangingPunct="1">
+      <a:lvl2pPr marL="457223" indent="-152408" algn="l" defTabSz="609630" rtl="0" eaLnBrk="1" latinLnBrk="0" hangingPunct="1">
         <a:lnSpc>
           <a:spcPct val="90000"/>
         </a:lnSpc>
         <a:spcBef>
-          <a:spcPts val="500"/>
+          <a:spcPts val="333"/>
         </a:spcBef>
         <a:buFont typeface="Arial" panose="020B0604020202020204" pitchFamily="34" charset="0"/>
         <a:buChar char="•"/>
-        <a:defRPr sz="2400" kern="1200">
+        <a:defRPr sz="1600" kern="1200">
           <a:solidFill>
             <a:schemeClr val="tx1"/>
           </a:solidFill>
@@ -2896,16 +3532,16 @@
           <a:cs typeface="+mn-cs"/>
         </a:defRPr>
       </a:lvl2pPr>
-      <a:lvl3pPr marL="1143000" indent="-228600" algn="l" defTabSz="914400" rtl="0" eaLnBrk="1" latinLnBrk="0" hangingPunct="1">
+      <a:lvl3pPr marL="762038" indent="-152408" algn="l" defTabSz="609630" rtl="0" eaLnBrk="1" latinLnBrk="0" hangingPunct="1">
         <a:lnSpc>
           <a:spcPct val="90000"/>
         </a:lnSpc>
         <a:spcBef>
-          <a:spcPts val="500"/>
+          <a:spcPts val="333"/>
         </a:spcBef>
         <a:buFont typeface="Arial" panose="020B0604020202020204" pitchFamily="34" charset="0"/>
         <a:buChar char="•"/>
-        <a:defRPr sz="2000" kern="1200">
+        <a:defRPr sz="1333" kern="1200">
           <a:solidFill>
             <a:schemeClr val="tx1"/>
           </a:solidFill>
@@ -2914,16 +3550,16 @@
           <a:cs typeface="+mn-cs"/>
         </a:defRPr>
       </a:lvl3pPr>
-      <a:lvl4pPr marL="1600200" indent="-228600" algn="l" defTabSz="914400" rtl="0" eaLnBrk="1" latinLnBrk="0" hangingPunct="1">
+      <a:lvl4pPr marL="1066853" indent="-152408" algn="l" defTabSz="609630" rtl="0" eaLnBrk="1" latinLnBrk="0" hangingPunct="1">
         <a:lnSpc>
           <a:spcPct val="90000"/>
         </a:lnSpc>
         <a:spcBef>
-          <a:spcPts val="500"/>
+          <a:spcPts val="333"/>
         </a:spcBef>
         <a:buFont typeface="Arial" panose="020B0604020202020204" pitchFamily="34" charset="0"/>
         <a:buChar char="•"/>
-        <a:defRPr sz="1800" kern="1200">
+        <a:defRPr sz="1200" kern="1200">
           <a:solidFill>
             <a:schemeClr val="tx1"/>
           </a:solidFill>
@@ -2932,16 +3568,16 @@
           <a:cs typeface="+mn-cs"/>
         </a:defRPr>
       </a:lvl4pPr>
-      <a:lvl5pPr marL="2057400" indent="-228600" algn="l" defTabSz="914400" rtl="0" eaLnBrk="1" latinLnBrk="0" hangingPunct="1">
+      <a:lvl5pPr marL="1371669" indent="-152408" algn="l" defTabSz="609630" rtl="0" eaLnBrk="1" latinLnBrk="0" hangingPunct="1">
         <a:lnSpc>
           <a:spcPct val="90000"/>
         </a:lnSpc>
         <a:spcBef>
-          <a:spcPts val="500"/>
+          <a:spcPts val="333"/>
         </a:spcBef>
         <a:buFont typeface="Arial" panose="020B0604020202020204" pitchFamily="34" charset="0"/>
         <a:buChar char="•"/>
-        <a:defRPr sz="1800" kern="1200">
+        <a:defRPr sz="1200" kern="1200">
           <a:solidFill>
             <a:schemeClr val="tx1"/>
           </a:solidFill>
@@ -2950,16 +3586,16 @@
           <a:cs typeface="+mn-cs"/>
         </a:defRPr>
       </a:lvl5pPr>
-      <a:lvl6pPr marL="2514600" indent="-228600" algn="l" defTabSz="914400" rtl="0" eaLnBrk="1" latinLnBrk="0" hangingPunct="1">
+      <a:lvl6pPr marL="1676484" indent="-152408" algn="l" defTabSz="609630" rtl="0" eaLnBrk="1" latinLnBrk="0" hangingPunct="1">
         <a:lnSpc>
           <a:spcPct val="90000"/>
         </a:lnSpc>
         <a:spcBef>
-          <a:spcPts val="500"/>
+          <a:spcPts val="333"/>
         </a:spcBef>
         <a:buFont typeface="Arial" panose="020B0604020202020204" pitchFamily="34" charset="0"/>
         <a:buChar char="•"/>
-        <a:defRPr sz="1800" kern="1200">
+        <a:defRPr sz="1200" kern="1200">
           <a:solidFill>
             <a:schemeClr val="tx1"/>
           </a:solidFill>
@@ -2968,16 +3604,16 @@
           <a:cs typeface="+mn-cs"/>
         </a:defRPr>
       </a:lvl6pPr>
-      <a:lvl7pPr marL="2971800" indent="-228600" algn="l" defTabSz="914400" rtl="0" eaLnBrk="1" latinLnBrk="0" hangingPunct="1">
+      <a:lvl7pPr marL="1981299" indent="-152408" algn="l" defTabSz="609630" rtl="0" eaLnBrk="1" latinLnBrk="0" hangingPunct="1">
         <a:lnSpc>
           <a:spcPct val="90000"/>
         </a:lnSpc>
         <a:spcBef>
-          <a:spcPts val="500"/>
+          <a:spcPts val="333"/>
         </a:spcBef>
         <a:buFont typeface="Arial" panose="020B0604020202020204" pitchFamily="34" charset="0"/>
         <a:buChar char="•"/>
-        <a:defRPr sz="1800" kern="1200">
+        <a:defRPr sz="1200" kern="1200">
           <a:solidFill>
             <a:schemeClr val="tx1"/>
           </a:solidFill>
@@ -2986,16 +3622,16 @@
           <a:cs typeface="+mn-cs"/>
         </a:defRPr>
       </a:lvl7pPr>
-      <a:lvl8pPr marL="3429000" indent="-228600" algn="l" defTabSz="914400" rtl="0" eaLnBrk="1" latinLnBrk="0" hangingPunct="1">
+      <a:lvl8pPr marL="2286114" indent="-152408" algn="l" defTabSz="609630" rtl="0" eaLnBrk="1" latinLnBrk="0" hangingPunct="1">
         <a:lnSpc>
           <a:spcPct val="90000"/>
         </a:lnSpc>
         <a:spcBef>
-          <a:spcPts val="500"/>
+          <a:spcPts val="333"/>
         </a:spcBef>
         <a:buFont typeface="Arial" panose="020B0604020202020204" pitchFamily="34" charset="0"/>
         <a:buChar char="•"/>
-        <a:defRPr sz="1800" kern="1200">
+        <a:defRPr sz="1200" kern="1200">
           <a:solidFill>
             <a:schemeClr val="tx1"/>
           </a:solidFill>
@@ -3004,16 +3640,16 @@
           <a:cs typeface="+mn-cs"/>
         </a:defRPr>
       </a:lvl8pPr>
-      <a:lvl9pPr marL="3886200" indent="-228600" algn="l" defTabSz="914400" rtl="0" eaLnBrk="1" latinLnBrk="0" hangingPunct="1">
+      <a:lvl9pPr marL="2590930" indent="-152408" algn="l" defTabSz="609630" rtl="0" eaLnBrk="1" latinLnBrk="0" hangingPunct="1">
         <a:lnSpc>
           <a:spcPct val="90000"/>
         </a:lnSpc>
         <a:spcBef>
-          <a:spcPts val="500"/>
+          <a:spcPts val="333"/>
         </a:spcBef>
         <a:buFont typeface="Arial" panose="020B0604020202020204" pitchFamily="34" charset="0"/>
         <a:buChar char="•"/>
-        <a:defRPr sz="1800" kern="1200">
+        <a:defRPr sz="1200" kern="1200">
           <a:solidFill>
             <a:schemeClr val="tx1"/>
           </a:solidFill>
@@ -3027,8 +3663,8 @@
       <a:defPPr>
         <a:defRPr lang="en-US"/>
       </a:defPPr>
-      <a:lvl1pPr marL="0" algn="l" defTabSz="914400" rtl="0" eaLnBrk="1" latinLnBrk="0" hangingPunct="1">
-        <a:defRPr sz="1800" kern="1200">
+      <a:lvl1pPr marL="0" algn="l" defTabSz="609630" rtl="0" eaLnBrk="1" latinLnBrk="0" hangingPunct="1">
+        <a:defRPr sz="1200" kern="1200">
           <a:solidFill>
             <a:schemeClr val="tx1"/>
           </a:solidFill>
@@ -3037,8 +3673,8 @@
           <a:cs typeface="+mn-cs"/>
         </a:defRPr>
       </a:lvl1pPr>
-      <a:lvl2pPr marL="457200" algn="l" defTabSz="914400" rtl="0" eaLnBrk="1" latinLnBrk="0" hangingPunct="1">
-        <a:defRPr sz="1800" kern="1200">
+      <a:lvl2pPr marL="304815" algn="l" defTabSz="609630" rtl="0" eaLnBrk="1" latinLnBrk="0" hangingPunct="1">
+        <a:defRPr sz="1200" kern="1200">
           <a:solidFill>
             <a:schemeClr val="tx1"/>
           </a:solidFill>
@@ -3047,8 +3683,8 @@
           <a:cs typeface="+mn-cs"/>
         </a:defRPr>
       </a:lvl2pPr>
-      <a:lvl3pPr marL="914400" algn="l" defTabSz="914400" rtl="0" eaLnBrk="1" latinLnBrk="0" hangingPunct="1">
-        <a:defRPr sz="1800" kern="1200">
+      <a:lvl3pPr marL="609630" algn="l" defTabSz="609630" rtl="0" eaLnBrk="1" latinLnBrk="0" hangingPunct="1">
+        <a:defRPr sz="1200" kern="1200">
           <a:solidFill>
             <a:schemeClr val="tx1"/>
           </a:solidFill>
@@ -3057,8 +3693,8 @@
           <a:cs typeface="+mn-cs"/>
         </a:defRPr>
       </a:lvl3pPr>
-      <a:lvl4pPr marL="1371600" algn="l" defTabSz="914400" rtl="0" eaLnBrk="1" latinLnBrk="0" hangingPunct="1">
-        <a:defRPr sz="1800" kern="1200">
+      <a:lvl4pPr marL="914446" algn="l" defTabSz="609630" rtl="0" eaLnBrk="1" latinLnBrk="0" hangingPunct="1">
+        <a:defRPr sz="1200" kern="1200">
           <a:solidFill>
             <a:schemeClr val="tx1"/>
           </a:solidFill>
@@ -3067,8 +3703,8 @@
           <a:cs typeface="+mn-cs"/>
         </a:defRPr>
       </a:lvl4pPr>
-      <a:lvl5pPr marL="1828800" algn="l" defTabSz="914400" rtl="0" eaLnBrk="1" latinLnBrk="0" hangingPunct="1">
-        <a:defRPr sz="1800" kern="1200">
+      <a:lvl5pPr marL="1219261" algn="l" defTabSz="609630" rtl="0" eaLnBrk="1" latinLnBrk="0" hangingPunct="1">
+        <a:defRPr sz="1200" kern="1200">
           <a:solidFill>
             <a:schemeClr val="tx1"/>
           </a:solidFill>
@@ -3077,8 +3713,8 @@
           <a:cs typeface="+mn-cs"/>
         </a:defRPr>
       </a:lvl5pPr>
-      <a:lvl6pPr marL="2286000" algn="l" defTabSz="914400" rtl="0" eaLnBrk="1" latinLnBrk="0" hangingPunct="1">
-        <a:defRPr sz="1800" kern="1200">
+      <a:lvl6pPr marL="1524076" algn="l" defTabSz="609630" rtl="0" eaLnBrk="1" latinLnBrk="0" hangingPunct="1">
+        <a:defRPr sz="1200" kern="1200">
           <a:solidFill>
             <a:schemeClr val="tx1"/>
           </a:solidFill>
@@ -3087,8 +3723,8 @@
           <a:cs typeface="+mn-cs"/>
         </a:defRPr>
       </a:lvl6pPr>
-      <a:lvl7pPr marL="2743200" algn="l" defTabSz="914400" rtl="0" eaLnBrk="1" latinLnBrk="0" hangingPunct="1">
-        <a:defRPr sz="1800" kern="1200">
+      <a:lvl7pPr marL="1828891" algn="l" defTabSz="609630" rtl="0" eaLnBrk="1" latinLnBrk="0" hangingPunct="1">
+        <a:defRPr sz="1200" kern="1200">
           <a:solidFill>
             <a:schemeClr val="tx1"/>
           </a:solidFill>
@@ -3097,8 +3733,8 @@
           <a:cs typeface="+mn-cs"/>
         </a:defRPr>
       </a:lvl7pPr>
-      <a:lvl8pPr marL="3200400" algn="l" defTabSz="914400" rtl="0" eaLnBrk="1" latinLnBrk="0" hangingPunct="1">
-        <a:defRPr sz="1800" kern="1200">
+      <a:lvl8pPr marL="2133707" algn="l" defTabSz="609630" rtl="0" eaLnBrk="1" latinLnBrk="0" hangingPunct="1">
+        <a:defRPr sz="1200" kern="1200">
           <a:solidFill>
             <a:schemeClr val="tx1"/>
           </a:solidFill>
@@ -3107,8 +3743,8 @@
           <a:cs typeface="+mn-cs"/>
         </a:defRPr>
       </a:lvl8pPr>
-      <a:lvl9pPr marL="3657600" algn="l" defTabSz="914400" rtl="0" eaLnBrk="1" latinLnBrk="0" hangingPunct="1">
-        <a:defRPr sz="1800" kern="1200">
+      <a:lvl9pPr marL="2438522" algn="l" defTabSz="609630" rtl="0" eaLnBrk="1" latinLnBrk="0" hangingPunct="1">
+        <a:defRPr sz="1200" kern="1200">
           <a:solidFill>
             <a:schemeClr val="tx1"/>
           </a:solidFill>
@@ -3141,10 +3777,10 @@
       </p:grpSpPr>
       <p:sp>
         <p:nvSpPr>
-          <p:cNvPr id="4" name="Freeform: Shape 3">
+          <p:cNvPr id="38" name="Freeform: Shape 37">
             <a:extLst>
               <a:ext uri="{FF2B5EF4-FFF2-40B4-BE49-F238E27FC236}">
-                <a16:creationId xmlns:a16="http://schemas.microsoft.com/office/drawing/2014/main" id="{4E936606-F1B2-4456-AB69-711456B503DF}"/>
+                <a16:creationId xmlns:a16="http://schemas.microsoft.com/office/drawing/2014/main" id="{0B3F9427-1714-4EF5-B047-936A84E136BD}"/>
               </a:ext>
             </a:extLst>
           </p:cNvPr>
@@ -3153,213 +3789,8 @@
         </p:nvSpPr>
         <p:spPr>
           <a:xfrm>
-            <a:off x="587433" y="687186"/>
-            <a:ext cx="1898073" cy="1152698"/>
-          </a:xfrm>
-          <a:custGeom>
-            <a:avLst/>
-            <a:gdLst>
-              <a:gd name="connsiteX0" fmla="*/ 0 w 1197033"/>
-              <a:gd name="connsiteY0" fmla="*/ 1424247 h 1479666"/>
-              <a:gd name="connsiteX1" fmla="*/ 16626 w 1197033"/>
-              <a:gd name="connsiteY1" fmla="*/ 5542 h 1479666"/>
-              <a:gd name="connsiteX2" fmla="*/ 1197033 w 1197033"/>
-              <a:gd name="connsiteY2" fmla="*/ 0 h 1479666"/>
-              <a:gd name="connsiteX3" fmla="*/ 1191491 w 1197033"/>
-              <a:gd name="connsiteY3" fmla="*/ 1390997 h 1479666"/>
-              <a:gd name="connsiteX4" fmla="*/ 1030778 w 1197033"/>
-              <a:gd name="connsiteY4" fmla="*/ 1235826 h 1479666"/>
-              <a:gd name="connsiteX5" fmla="*/ 964277 w 1197033"/>
-              <a:gd name="connsiteY5" fmla="*/ 1346662 h 1479666"/>
-              <a:gd name="connsiteX6" fmla="*/ 798022 w 1197033"/>
-              <a:gd name="connsiteY6" fmla="*/ 1263535 h 1479666"/>
-              <a:gd name="connsiteX7" fmla="*/ 598517 w 1197033"/>
-              <a:gd name="connsiteY7" fmla="*/ 1435331 h 1479666"/>
-              <a:gd name="connsiteX8" fmla="*/ 482138 w 1197033"/>
-              <a:gd name="connsiteY8" fmla="*/ 1363287 h 1479666"/>
-              <a:gd name="connsiteX9" fmla="*/ 338051 w 1197033"/>
-              <a:gd name="connsiteY9" fmla="*/ 1479666 h 1479666"/>
-              <a:gd name="connsiteX10" fmla="*/ 243840 w 1197033"/>
-              <a:gd name="connsiteY10" fmla="*/ 1313411 h 1479666"/>
-              <a:gd name="connsiteX11" fmla="*/ 0 w 1197033"/>
-              <a:gd name="connsiteY11" fmla="*/ 1424247 h 1479666"/>
-            </a:gdLst>
-            <a:ahLst/>
-            <a:cxnLst>
-              <a:cxn ang="0">
-                <a:pos x="connsiteX0" y="connsiteY0"/>
-              </a:cxn>
-              <a:cxn ang="0">
-                <a:pos x="connsiteX1" y="connsiteY1"/>
-              </a:cxn>
-              <a:cxn ang="0">
-                <a:pos x="connsiteX2" y="connsiteY2"/>
-              </a:cxn>
-              <a:cxn ang="0">
-                <a:pos x="connsiteX3" y="connsiteY3"/>
-              </a:cxn>
-              <a:cxn ang="0">
-                <a:pos x="connsiteX4" y="connsiteY4"/>
-              </a:cxn>
-              <a:cxn ang="0">
-                <a:pos x="connsiteX5" y="connsiteY5"/>
-              </a:cxn>
-              <a:cxn ang="0">
-                <a:pos x="connsiteX6" y="connsiteY6"/>
-              </a:cxn>
-              <a:cxn ang="0">
-                <a:pos x="connsiteX7" y="connsiteY7"/>
-              </a:cxn>
-              <a:cxn ang="0">
-                <a:pos x="connsiteX8" y="connsiteY8"/>
-              </a:cxn>
-              <a:cxn ang="0">
-                <a:pos x="connsiteX9" y="connsiteY9"/>
-              </a:cxn>
-              <a:cxn ang="0">
-                <a:pos x="connsiteX10" y="connsiteY10"/>
-              </a:cxn>
-              <a:cxn ang="0">
-                <a:pos x="connsiteX11" y="connsiteY11"/>
-              </a:cxn>
-            </a:cxnLst>
-            <a:rect l="l" t="t" r="r" b="b"/>
-            <a:pathLst>
-              <a:path w="1197033" h="1479666">
-                <a:moveTo>
-                  <a:pt x="0" y="1424247"/>
-                </a:moveTo>
-                <a:lnTo>
-                  <a:pt x="16626" y="5542"/>
-                </a:lnTo>
-                <a:lnTo>
-                  <a:pt x="1197033" y="0"/>
-                </a:lnTo>
-                <a:cubicBezTo>
-                  <a:pt x="1195186" y="463666"/>
-                  <a:pt x="1193338" y="927331"/>
-                  <a:pt x="1191491" y="1390997"/>
-                </a:cubicBezTo>
-                <a:lnTo>
-                  <a:pt x="1030778" y="1235826"/>
-                </a:lnTo>
-                <a:lnTo>
-                  <a:pt x="964277" y="1346662"/>
-                </a:lnTo>
-                <a:lnTo>
-                  <a:pt x="798022" y="1263535"/>
-                </a:lnTo>
-                <a:lnTo>
-                  <a:pt x="598517" y="1435331"/>
-                </a:lnTo>
-                <a:lnTo>
-                  <a:pt x="482138" y="1363287"/>
-                </a:lnTo>
-                <a:lnTo>
-                  <a:pt x="338051" y="1479666"/>
-                </a:lnTo>
-                <a:lnTo>
-                  <a:pt x="243840" y="1313411"/>
-                </a:lnTo>
-                <a:lnTo>
-                  <a:pt x="0" y="1424247"/>
-                </a:lnTo>
-                <a:close/>
-              </a:path>
-            </a:pathLst>
-          </a:custGeom>
-          <a:noFill/>
-        </p:spPr>
-        <p:style>
-          <a:lnRef idx="2">
-            <a:schemeClr val="accent1">
-              <a:shade val="50000"/>
-            </a:schemeClr>
-          </a:lnRef>
-          <a:fillRef idx="1">
-            <a:schemeClr val="accent1"/>
-          </a:fillRef>
-          <a:effectRef idx="0">
-            <a:schemeClr val="accent1"/>
-          </a:effectRef>
-          <a:fontRef idx="minor">
-            <a:schemeClr val="lt1"/>
-          </a:fontRef>
-        </p:style>
-        <p:txBody>
-          <a:bodyPr rtlCol="0" anchor="t" anchorCtr="0"/>
-          <a:lstStyle/>
-          <a:p>
-            <a:r>
-              <a:rPr lang="en-US" sz="1200" dirty="0">
-                <a:solidFill>
-                  <a:schemeClr val="tx1"/>
-                </a:solidFill>
-              </a:rPr>
-              <a:t>If (i2c_read(&amp;data)) == true</a:t>
-            </a:r>
-          </a:p>
-          <a:p>
-            <a:r>
-              <a:rPr lang="en-US" sz="1200" dirty="0" err="1">
-                <a:solidFill>
-                  <a:schemeClr val="tx1"/>
-                </a:solidFill>
-              </a:rPr>
-              <a:t>calX</a:t>
-            </a:r>
-            <a:r>
-              <a:rPr lang="en-US" sz="1200" dirty="0">
-                <a:solidFill>
-                  <a:schemeClr val="tx1"/>
-                </a:solidFill>
-              </a:rPr>
-              <a:t> = data[0]</a:t>
-            </a:r>
-          </a:p>
-          <a:p>
-            <a:r>
-              <a:rPr lang="en-US" sz="1200" dirty="0" err="1">
-                <a:solidFill>
-                  <a:schemeClr val="tx1"/>
-                </a:solidFill>
-              </a:rPr>
-              <a:t>calY</a:t>
-            </a:r>
-            <a:r>
-              <a:rPr lang="en-US" sz="1200" dirty="0">
-                <a:solidFill>
-                  <a:schemeClr val="tx1"/>
-                </a:solidFill>
-              </a:rPr>
-              <a:t> = data [1]</a:t>
-            </a:r>
-          </a:p>
-          <a:p>
-            <a:endParaRPr lang="en-US" sz="1200" dirty="0">
-              <a:solidFill>
-                <a:schemeClr val="tx1"/>
-              </a:solidFill>
-            </a:endParaRPr>
-          </a:p>
-        </p:txBody>
-      </p:sp>
-      <p:sp>
-        <p:nvSpPr>
-          <p:cNvPr id="5" name="Freeform: Shape 4">
-            <a:extLst>
-              <a:ext uri="{FF2B5EF4-FFF2-40B4-BE49-F238E27FC236}">
-                <a16:creationId xmlns:a16="http://schemas.microsoft.com/office/drawing/2014/main" id="{642E80F8-A808-489E-8FB1-293379AC7E77}"/>
-              </a:ext>
-            </a:extLst>
-          </p:cNvPr>
-          <p:cNvSpPr/>
-          <p:nvPr/>
-        </p:nvSpPr>
-        <p:spPr>
-          <a:xfrm>
-            <a:off x="2371898" y="839836"/>
-            <a:ext cx="1903615" cy="811878"/>
+            <a:off x="98209" y="614780"/>
+            <a:ext cx="2382984" cy="1690459"/>
           </a:xfrm>
           <a:custGeom>
             <a:avLst/>
@@ -3498,27 +3929,52 @@
           <a:lstStyle/>
           <a:p>
             <a:r>
-              <a:rPr lang="en-US" sz="1200" dirty="0">
+              <a:rPr lang="en-US" sz="1600" dirty="0">
                 <a:solidFill>
                   <a:schemeClr val="tx1"/>
                 </a:solidFill>
               </a:rPr>
-              <a:t>If(i2c_read(&amp;data)) == false</a:t>
-            </a:r>
-          </a:p>
-          <a:p>
-            <a:r>
-              <a:rPr lang="en-US" sz="1200" dirty="0">
+              <a:t>If i2cRead(&amp;data) == true</a:t>
+            </a:r>
+          </a:p>
+          <a:p>
+            <a:r>
+              <a:rPr lang="en-US" sz="1600" dirty="0" err="1">
                 <a:solidFill>
                   <a:schemeClr val="tx1"/>
                 </a:solidFill>
               </a:rPr>
-              <a:t>return;</a:t>
-            </a:r>
-          </a:p>
-          <a:p>
-            <a:pPr algn="ctr"/>
-            <a:endParaRPr lang="en-US" sz="1200" dirty="0">
+              <a:t>calX</a:t>
+            </a:r>
+            <a:r>
+              <a:rPr lang="en-US" sz="1600" dirty="0">
+                <a:solidFill>
+                  <a:schemeClr val="tx1"/>
+                </a:solidFill>
+              </a:rPr>
+              <a:t> = data[0]</a:t>
+            </a:r>
+          </a:p>
+          <a:p>
+            <a:r>
+              <a:rPr lang="en-US" sz="1600" dirty="0" err="1">
+                <a:solidFill>
+                  <a:schemeClr val="tx1"/>
+                </a:solidFill>
+              </a:rPr>
+              <a:t>calY</a:t>
+            </a:r>
+            <a:r>
+              <a:rPr lang="en-US" sz="1600" dirty="0">
+                <a:solidFill>
+                  <a:schemeClr val="tx1"/>
+                </a:solidFill>
+              </a:rPr>
+              <a:t> = data [1]</a:t>
+            </a:r>
+          </a:p>
+          <a:p>
+            <a:endParaRPr lang="en-US" sz="1600" dirty="0">
               <a:solidFill>
                 <a:schemeClr val="tx1"/>
               </a:solidFill>
@@ -3528,10 +3984,10 @@
       </p:sp>
       <p:cxnSp>
         <p:nvCxnSpPr>
-          <p:cNvPr id="7" name="Straight Connector 6">
+          <p:cNvPr id="40" name="Straight Connector 39">
             <a:extLst>
               <a:ext uri="{FF2B5EF4-FFF2-40B4-BE49-F238E27FC236}">
-                <a16:creationId xmlns:a16="http://schemas.microsoft.com/office/drawing/2014/main" id="{E78BE08A-93AA-4AD6-8B48-9B3A8F615080}"/>
+                <a16:creationId xmlns:a16="http://schemas.microsoft.com/office/drawing/2014/main" id="{FC1BBA8E-D735-46B3-9C10-2963C29DDA15}"/>
               </a:ext>
             </a:extLst>
           </p:cNvPr>
@@ -3540,8 +3996,8 @@
         </p:nvCxnSpPr>
         <p:spPr>
           <a:xfrm>
-            <a:off x="698269" y="1374371"/>
-            <a:ext cx="1673629" cy="0"/>
+            <a:off x="235533" y="1544596"/>
+            <a:ext cx="2231505" cy="0"/>
           </a:xfrm>
           <a:prstGeom prst="line">
             <a:avLst/>
@@ -3568,12 +4024,194 @@
           </a:fontRef>
         </p:style>
       </p:cxnSp>
+      <p:sp>
+        <p:nvSpPr>
+          <p:cNvPr id="39" name="Freeform: Shape 38">
+            <a:extLst>
+              <a:ext uri="{FF2B5EF4-FFF2-40B4-BE49-F238E27FC236}">
+                <a16:creationId xmlns:a16="http://schemas.microsoft.com/office/drawing/2014/main" id="{26BCEFBB-EA6C-401F-9053-F3D54DF155C0}"/>
+              </a:ext>
+            </a:extLst>
+          </p:cNvPr>
+          <p:cNvSpPr/>
+          <p:nvPr/>
+        </p:nvSpPr>
+        <p:spPr>
+          <a:xfrm>
+            <a:off x="2341903" y="806971"/>
+            <a:ext cx="2505175" cy="826961"/>
+          </a:xfrm>
+          <a:custGeom>
+            <a:avLst/>
+            <a:gdLst>
+              <a:gd name="connsiteX0" fmla="*/ 0 w 1197033"/>
+              <a:gd name="connsiteY0" fmla="*/ 1424247 h 1479666"/>
+              <a:gd name="connsiteX1" fmla="*/ 16626 w 1197033"/>
+              <a:gd name="connsiteY1" fmla="*/ 5542 h 1479666"/>
+              <a:gd name="connsiteX2" fmla="*/ 1197033 w 1197033"/>
+              <a:gd name="connsiteY2" fmla="*/ 0 h 1479666"/>
+              <a:gd name="connsiteX3" fmla="*/ 1191491 w 1197033"/>
+              <a:gd name="connsiteY3" fmla="*/ 1390997 h 1479666"/>
+              <a:gd name="connsiteX4" fmla="*/ 1030778 w 1197033"/>
+              <a:gd name="connsiteY4" fmla="*/ 1235826 h 1479666"/>
+              <a:gd name="connsiteX5" fmla="*/ 964277 w 1197033"/>
+              <a:gd name="connsiteY5" fmla="*/ 1346662 h 1479666"/>
+              <a:gd name="connsiteX6" fmla="*/ 798022 w 1197033"/>
+              <a:gd name="connsiteY6" fmla="*/ 1263535 h 1479666"/>
+              <a:gd name="connsiteX7" fmla="*/ 598517 w 1197033"/>
+              <a:gd name="connsiteY7" fmla="*/ 1435331 h 1479666"/>
+              <a:gd name="connsiteX8" fmla="*/ 482138 w 1197033"/>
+              <a:gd name="connsiteY8" fmla="*/ 1363287 h 1479666"/>
+              <a:gd name="connsiteX9" fmla="*/ 338051 w 1197033"/>
+              <a:gd name="connsiteY9" fmla="*/ 1479666 h 1479666"/>
+              <a:gd name="connsiteX10" fmla="*/ 243840 w 1197033"/>
+              <a:gd name="connsiteY10" fmla="*/ 1313411 h 1479666"/>
+              <a:gd name="connsiteX11" fmla="*/ 0 w 1197033"/>
+              <a:gd name="connsiteY11" fmla="*/ 1424247 h 1479666"/>
+            </a:gdLst>
+            <a:ahLst/>
+            <a:cxnLst>
+              <a:cxn ang="0">
+                <a:pos x="connsiteX0" y="connsiteY0"/>
+              </a:cxn>
+              <a:cxn ang="0">
+                <a:pos x="connsiteX1" y="connsiteY1"/>
+              </a:cxn>
+              <a:cxn ang="0">
+                <a:pos x="connsiteX2" y="connsiteY2"/>
+              </a:cxn>
+              <a:cxn ang="0">
+                <a:pos x="connsiteX3" y="connsiteY3"/>
+              </a:cxn>
+              <a:cxn ang="0">
+                <a:pos x="connsiteX4" y="connsiteY4"/>
+              </a:cxn>
+              <a:cxn ang="0">
+                <a:pos x="connsiteX5" y="connsiteY5"/>
+              </a:cxn>
+              <a:cxn ang="0">
+                <a:pos x="connsiteX6" y="connsiteY6"/>
+              </a:cxn>
+              <a:cxn ang="0">
+                <a:pos x="connsiteX7" y="connsiteY7"/>
+              </a:cxn>
+              <a:cxn ang="0">
+                <a:pos x="connsiteX8" y="connsiteY8"/>
+              </a:cxn>
+              <a:cxn ang="0">
+                <a:pos x="connsiteX9" y="connsiteY9"/>
+              </a:cxn>
+              <a:cxn ang="0">
+                <a:pos x="connsiteX10" y="connsiteY10"/>
+              </a:cxn>
+              <a:cxn ang="0">
+                <a:pos x="connsiteX11" y="connsiteY11"/>
+              </a:cxn>
+            </a:cxnLst>
+            <a:rect l="l" t="t" r="r" b="b"/>
+            <a:pathLst>
+              <a:path w="1197033" h="1479666">
+                <a:moveTo>
+                  <a:pt x="0" y="1424247"/>
+                </a:moveTo>
+                <a:lnTo>
+                  <a:pt x="16626" y="5542"/>
+                </a:lnTo>
+                <a:lnTo>
+                  <a:pt x="1197033" y="0"/>
+                </a:lnTo>
+                <a:cubicBezTo>
+                  <a:pt x="1195186" y="463666"/>
+                  <a:pt x="1193338" y="927331"/>
+                  <a:pt x="1191491" y="1390997"/>
+                </a:cubicBezTo>
+                <a:lnTo>
+                  <a:pt x="1030778" y="1235826"/>
+                </a:lnTo>
+                <a:lnTo>
+                  <a:pt x="964277" y="1346662"/>
+                </a:lnTo>
+                <a:lnTo>
+                  <a:pt x="798022" y="1263535"/>
+                </a:lnTo>
+                <a:lnTo>
+                  <a:pt x="598517" y="1435331"/>
+                </a:lnTo>
+                <a:lnTo>
+                  <a:pt x="482138" y="1363287"/>
+                </a:lnTo>
+                <a:lnTo>
+                  <a:pt x="338051" y="1479666"/>
+                </a:lnTo>
+                <a:lnTo>
+                  <a:pt x="243840" y="1313411"/>
+                </a:lnTo>
+                <a:lnTo>
+                  <a:pt x="0" y="1424247"/>
+                </a:lnTo>
+                <a:close/>
+              </a:path>
+            </a:pathLst>
+          </a:custGeom>
+          <a:solidFill>
+            <a:schemeClr val="bg1"/>
+          </a:solidFill>
+        </p:spPr>
+        <p:style>
+          <a:lnRef idx="2">
+            <a:schemeClr val="accent1">
+              <a:shade val="50000"/>
+            </a:schemeClr>
+          </a:lnRef>
+          <a:fillRef idx="1">
+            <a:schemeClr val="accent1"/>
+          </a:fillRef>
+          <a:effectRef idx="0">
+            <a:schemeClr val="accent1"/>
+          </a:effectRef>
+          <a:fontRef idx="minor">
+            <a:schemeClr val="lt1"/>
+          </a:fontRef>
+        </p:style>
+        <p:txBody>
+          <a:bodyPr rtlCol="0" anchor="t" anchorCtr="0"/>
+          <a:lstStyle/>
+          <a:p>
+            <a:r>
+              <a:rPr lang="en-US" sz="1600" dirty="0">
+                <a:solidFill>
+                  <a:schemeClr val="tx1"/>
+                </a:solidFill>
+              </a:rPr>
+              <a:t>If i2cRead(&amp;data) == false</a:t>
+            </a:r>
+          </a:p>
+          <a:p>
+            <a:r>
+              <a:rPr lang="en-US" sz="1600" dirty="0">
+                <a:solidFill>
+                  <a:schemeClr val="tx1"/>
+                </a:solidFill>
+              </a:rPr>
+              <a:t>return;</a:t>
+            </a:r>
+          </a:p>
+          <a:p>
+            <a:pPr algn="ctr"/>
+            <a:endParaRPr lang="en-US" sz="1600" dirty="0">
+              <a:solidFill>
+                <a:schemeClr val="tx1"/>
+              </a:solidFill>
+            </a:endParaRPr>
+          </a:p>
+        </p:txBody>
+      </p:sp>
       <p:cxnSp>
         <p:nvCxnSpPr>
-          <p:cNvPr id="8" name="Straight Connector 7">
+          <p:cNvPr id="41" name="Straight Connector 40">
             <a:extLst>
               <a:ext uri="{FF2B5EF4-FFF2-40B4-BE49-F238E27FC236}">
-                <a16:creationId xmlns:a16="http://schemas.microsoft.com/office/drawing/2014/main" id="{12D8DF9D-8AA2-4A3F-AA1E-32622C0BC06E}"/>
+                <a16:creationId xmlns:a16="http://schemas.microsoft.com/office/drawing/2014/main" id="{E15E6E5E-CEF7-43CC-A4E4-914C2ADE536D}"/>
               </a:ext>
             </a:extLst>
           </p:cNvPr>
@@ -3584,8 +4222,8 @@
         </p:nvCxnSpPr>
         <p:spPr>
           <a:xfrm>
-            <a:off x="698269" y="626224"/>
-            <a:ext cx="1787237" cy="0"/>
+            <a:off x="286037" y="519672"/>
+            <a:ext cx="2541697" cy="13824"/>
           </a:xfrm>
           <a:prstGeom prst="line">
             <a:avLst/>
@@ -3614,10 +4252,10 @@
       </p:cxnSp>
       <p:cxnSp>
         <p:nvCxnSpPr>
-          <p:cNvPr id="10" name="Straight Connector 9">
+          <p:cNvPr id="42" name="Straight Connector 41">
             <a:extLst>
               <a:ext uri="{FF2B5EF4-FFF2-40B4-BE49-F238E27FC236}">
-                <a16:creationId xmlns:a16="http://schemas.microsoft.com/office/drawing/2014/main" id="{E1A0209C-C8CD-415E-A9CE-156CBC4B6DDC}"/>
+                <a16:creationId xmlns:a16="http://schemas.microsoft.com/office/drawing/2014/main" id="{5BBA6B8B-CEB4-4091-AA9F-B372D0989651}"/>
               </a:ext>
             </a:extLst>
           </p:cNvPr>
@@ -3628,8 +4266,8 @@
         </p:nvCxnSpPr>
         <p:spPr>
           <a:xfrm>
-            <a:off x="2430086" y="806585"/>
-            <a:ext cx="1787237" cy="0"/>
+            <a:off x="2419487" y="762633"/>
+            <a:ext cx="2382983" cy="0"/>
           </a:xfrm>
           <a:prstGeom prst="line">
             <a:avLst/>
@@ -3658,10 +4296,10 @@
       </p:cxnSp>
       <p:sp>
         <p:nvSpPr>
-          <p:cNvPr id="11" name="TextBox 10">
+          <p:cNvPr id="43" name="TextBox 42">
             <a:extLst>
               <a:ext uri="{FF2B5EF4-FFF2-40B4-BE49-F238E27FC236}">
-                <a16:creationId xmlns:a16="http://schemas.microsoft.com/office/drawing/2014/main" id="{47BAB675-06BD-4A31-ADD7-34F0B9307E64}"/>
+                <a16:creationId xmlns:a16="http://schemas.microsoft.com/office/drawing/2014/main" id="{08839F7A-79E3-4E32-929B-45428A02885E}"/>
               </a:ext>
             </a:extLst>
           </p:cNvPr>
@@ -3670,8 +4308,8 @@
         </p:nvSpPr>
         <p:spPr>
           <a:xfrm>
-            <a:off x="1410393" y="1368326"/>
-            <a:ext cx="1185949" cy="338554"/>
+            <a:off x="1095086" y="1612775"/>
+            <a:ext cx="1581265" cy="420564"/>
           </a:xfrm>
           <a:prstGeom prst="rect">
             <a:avLst/>
@@ -3685,7 +4323,7 @@
           <a:lstStyle/>
           <a:p>
             <a:r>
-              <a:rPr lang="en-US" sz="1600" dirty="0">
+              <a:rPr lang="en-US" sz="2133" dirty="0">
                 <a:solidFill>
                   <a:srgbClr val="C00000"/>
                 </a:solidFill>
@@ -3697,10 +4335,10 @@
       </p:sp>
       <p:sp>
         <p:nvSpPr>
-          <p:cNvPr id="15" name="Freeform: Shape 14">
+          <p:cNvPr id="44" name="Freeform: Shape 43">
             <a:extLst>
               <a:ext uri="{FF2B5EF4-FFF2-40B4-BE49-F238E27FC236}">
-                <a16:creationId xmlns:a16="http://schemas.microsoft.com/office/drawing/2014/main" id="{47829C96-FF67-4A53-939E-9223E8B51F68}"/>
+                <a16:creationId xmlns:a16="http://schemas.microsoft.com/office/drawing/2014/main" id="{F179D4E0-1BFE-421A-A0AA-84AC021720FF}"/>
               </a:ext>
             </a:extLst>
           </p:cNvPr>
@@ -3709,8 +4347,8 @@
         </p:nvSpPr>
         <p:spPr>
           <a:xfrm>
-            <a:off x="581891" y="1800586"/>
-            <a:ext cx="1839884" cy="609600"/>
+            <a:off x="90522" y="2336486"/>
+            <a:ext cx="2648693" cy="812800"/>
           </a:xfrm>
           <a:custGeom>
             <a:avLst/>
@@ -3874,7 +4512,7 @@
           <a:bodyPr rtlCol="0" anchor="t" anchorCtr="0"/>
           <a:lstStyle/>
           <a:p>
-            <a:endParaRPr lang="en-US" sz="1200" dirty="0">
+            <a:endParaRPr lang="en-US" sz="1600" dirty="0">
               <a:solidFill>
                 <a:schemeClr val="tx1">
                   <a:lumMod val="65000"/>
@@ -3885,7 +4523,7 @@
           </a:p>
           <a:p>
             <a:r>
-              <a:rPr lang="en-US" sz="1200" dirty="0" err="1">
+              <a:rPr lang="en-US" sz="1600" dirty="0" err="1">
                 <a:solidFill>
                   <a:schemeClr val="tx1">
                     <a:lumMod val="65000"/>
@@ -3896,7 +4534,7 @@
               <a:t>calZ</a:t>
             </a:r>
             <a:r>
-              <a:rPr lang="en-US" sz="1200" dirty="0">
+              <a:rPr lang="en-US" sz="1600" dirty="0">
                 <a:solidFill>
                   <a:schemeClr val="tx1">
                     <a:lumMod val="65000"/>
@@ -3909,7 +4547,7 @@
           </a:p>
           <a:p>
             <a:r>
-              <a:rPr lang="en-US" sz="1200" dirty="0">
+              <a:rPr lang="en-US" sz="1600" dirty="0">
                 <a:solidFill>
                   <a:schemeClr val="tx1">
                     <a:lumMod val="65000"/>
@@ -3924,10 +4562,10 @@
       </p:sp>
       <p:sp>
         <p:nvSpPr>
-          <p:cNvPr id="16" name="TextBox 15">
+          <p:cNvPr id="45" name="TextBox 44">
             <a:extLst>
               <a:ext uri="{FF2B5EF4-FFF2-40B4-BE49-F238E27FC236}">
-                <a16:creationId xmlns:a16="http://schemas.microsoft.com/office/drawing/2014/main" id="{8A8BFFBE-3128-4481-8EC9-78FF1DF26DD2}"/>
+                <a16:creationId xmlns:a16="http://schemas.microsoft.com/office/drawing/2014/main" id="{59C1F21A-691A-4469-A3F6-DD70FD773343}"/>
               </a:ext>
             </a:extLst>
           </p:cNvPr>
@@ -3936,8 +4574,8 @@
         </p:nvSpPr>
         <p:spPr>
           <a:xfrm>
-            <a:off x="1501833" y="346112"/>
-            <a:ext cx="1185949" cy="338554"/>
+            <a:off x="1516170" y="160014"/>
+            <a:ext cx="1581265" cy="420564"/>
           </a:xfrm>
           <a:prstGeom prst="rect">
             <a:avLst/>
@@ -3951,7 +4589,7 @@
           <a:lstStyle/>
           <a:p>
             <a:r>
-              <a:rPr lang="en-US" sz="1600" dirty="0">
+              <a:rPr lang="en-US" sz="2133" dirty="0">
                 <a:solidFill>
                   <a:schemeClr val="accent6"/>
                 </a:solidFill>
@@ -3963,10 +4601,10 @@
       </p:sp>
       <p:sp>
         <p:nvSpPr>
-          <p:cNvPr id="17" name="TextBox 16">
+          <p:cNvPr id="46" name="TextBox 45">
             <a:extLst>
               <a:ext uri="{FF2B5EF4-FFF2-40B4-BE49-F238E27FC236}">
-                <a16:creationId xmlns:a16="http://schemas.microsoft.com/office/drawing/2014/main" id="{D28681A7-EF51-4837-920A-2987BB4798C6}"/>
+                <a16:creationId xmlns:a16="http://schemas.microsoft.com/office/drawing/2014/main" id="{C2962411-D5E1-4075-90FF-5BE55CAD810B}"/>
               </a:ext>
             </a:extLst>
           </p:cNvPr>
@@ -3975,8 +4613,8 @@
         </p:nvSpPr>
         <p:spPr>
           <a:xfrm>
-            <a:off x="3208712" y="501282"/>
-            <a:ext cx="1185949" cy="338554"/>
+            <a:off x="3457656" y="355563"/>
+            <a:ext cx="1581265" cy="420564"/>
           </a:xfrm>
           <a:prstGeom prst="rect">
             <a:avLst/>
@@ -3990,7 +4628,7 @@
           <a:lstStyle/>
           <a:p>
             <a:r>
-              <a:rPr lang="en-US" sz="1600" dirty="0">
+              <a:rPr lang="en-US" sz="2133" dirty="0">
                 <a:solidFill>
                   <a:schemeClr val="accent6"/>
                 </a:solidFill>
@@ -4002,10 +4640,10 @@
       </p:sp>
       <p:sp>
         <p:nvSpPr>
-          <p:cNvPr id="20" name="Flowchart: Document 19">
+          <p:cNvPr id="47" name="Flowchart: Document 46">
             <a:extLst>
               <a:ext uri="{FF2B5EF4-FFF2-40B4-BE49-F238E27FC236}">
-                <a16:creationId xmlns:a16="http://schemas.microsoft.com/office/drawing/2014/main" id="{C08DE86E-F53D-4B10-9778-144F10C4BC45}"/>
+                <a16:creationId xmlns:a16="http://schemas.microsoft.com/office/drawing/2014/main" id="{6B80519D-A284-42B5-935B-F03AA6D1BBC1}"/>
               </a:ext>
             </a:extLst>
           </p:cNvPr>
@@ -4014,8 +4652,8 @@
         </p:nvSpPr>
         <p:spPr>
           <a:xfrm>
-            <a:off x="4876800" y="670559"/>
-            <a:ext cx="4078778" cy="4372496"/>
+            <a:off x="5205194" y="716133"/>
+            <a:ext cx="3284453" cy="3392540"/>
           </a:xfrm>
           <a:prstGeom prst="flowChartDocument">
             <a:avLst/>
@@ -4045,15 +4683,15 @@
           <a:lstStyle/>
           <a:p>
             <a:r>
-              <a:rPr lang="en-US" sz="1200" dirty="0">
+              <a:rPr lang="en-US" sz="1600" dirty="0">
                 <a:solidFill>
                   <a:schemeClr val="tx1"/>
                 </a:solidFill>
               </a:rPr>
-              <a:t>1  static void </a:t>
-            </a:r>
-            <a:r>
-              <a:rPr lang="en-US" sz="1200" dirty="0" err="1">
+              <a:t>function </a:t>
+            </a:r>
+            <a:r>
+              <a:rPr lang="en-US" sz="1600" dirty="0" err="1">
                 <a:solidFill>
                   <a:schemeClr val="tx1"/>
                 </a:solidFill>
@@ -4061,17 +4699,17 @@
               <a:t>sensorMagInit</a:t>
             </a:r>
             <a:r>
-              <a:rPr lang="en-US" sz="1200" dirty="0">
+              <a:rPr lang="en-US" sz="1600" dirty="0">
                 <a:solidFill>
                   <a:schemeClr val="tx1"/>
                 </a:solidFill>
               </a:rPr>
-              <a:t>(void){</a:t>
-            </a:r>
-          </a:p>
-          <a:p>
-            <a:r>
-              <a:rPr lang="en-US" sz="1600" dirty="0">
+              <a:t> {</a:t>
+            </a:r>
+          </a:p>
+          <a:p>
+            <a:r>
+              <a:rPr lang="en-US" sz="2133" dirty="0">
                 <a:solidFill>
                   <a:schemeClr val="accent6"/>
                 </a:solidFill>
@@ -4081,35 +4719,15 @@
           </a:p>
           <a:p>
             <a:r>
-              <a:rPr lang="en-US" sz="1200" dirty="0">
+              <a:rPr lang="en-US" sz="1600" dirty="0">
                 <a:solidFill>
                   <a:schemeClr val="tx1"/>
                 </a:solidFill>
               </a:rPr>
-              <a:t>       …</a:t>
-            </a:r>
-          </a:p>
-          <a:p>
-            <a:r>
-              <a:rPr lang="en-US" sz="1200" dirty="0">
-                <a:solidFill>
-                  <a:schemeClr val="tx1"/>
-                </a:solidFill>
-              </a:rPr>
-              <a:t>2     if (SENSOR_SELECT_MAG())    {</a:t>
-            </a:r>
-          </a:p>
-          <a:p>
-            <a:r>
-              <a:rPr lang="en-US" sz="1200" dirty="0">
-                <a:solidFill>
-                  <a:schemeClr val="tx1"/>
-                </a:solidFill>
-              </a:rPr>
-              <a:t>3        static uint8_t </a:t>
-            </a:r>
-            <a:r>
-              <a:rPr lang="en-US" sz="1200" dirty="0" err="1">
+              <a:t>        int </a:t>
+            </a:r>
+            <a:r>
+              <a:rPr lang="en-US" sz="1600" dirty="0" err="1">
                 <a:solidFill>
                   <a:schemeClr val="tx1"/>
                 </a:solidFill>
@@ -4117,7 +4735,7 @@
               <a:t>rawData</a:t>
             </a:r>
             <a:r>
-              <a:rPr lang="en-US" sz="1200" dirty="0">
+              <a:rPr lang="en-US" sz="1600" dirty="0">
                 <a:solidFill>
                   <a:schemeClr val="tx1"/>
                 </a:solidFill>
@@ -4127,43 +4745,15 @@
           </a:p>
           <a:p>
             <a:r>
-              <a:rPr lang="en-US" sz="1200" dirty="0">
+              <a:rPr lang="en-US" sz="1600" dirty="0">
                 <a:solidFill>
                   <a:schemeClr val="tx1"/>
                 </a:solidFill>
               </a:rPr>
-              <a:t>4         …</a:t>
-            </a:r>
-          </a:p>
-          <a:p>
-            <a:r>
-              <a:rPr lang="en-US" sz="1200" dirty="0">
-                <a:solidFill>
-                  <a:schemeClr val="tx1"/>
-                </a:solidFill>
-              </a:rPr>
-              <a:t>5        </a:t>
-            </a:r>
-            <a:r>
-              <a:rPr lang="en-US" sz="1200" dirty="0">
-                <a:solidFill>
-                  <a:schemeClr val="tx2"/>
-                </a:solidFill>
-              </a:rPr>
-              <a:t>// Get calibration data</a:t>
-            </a:r>
-          </a:p>
-          <a:p>
-            <a:r>
-              <a:rPr lang="en-US" sz="1200" dirty="0">
-                <a:solidFill>
-                  <a:schemeClr val="tx1"/>
-                </a:solidFill>
-              </a:rPr>
-              <a:t>6        if (I2C_readReg (MAG_ASAX, &amp;</a:t>
-            </a:r>
-            <a:r>
-              <a:rPr lang="en-US" sz="1200" dirty="0" err="1">
+              <a:t>        if (i2cRead(&amp;</a:t>
+            </a:r>
+            <a:r>
+              <a:rPr lang="en-US" sz="1600" dirty="0" err="1">
                 <a:solidFill>
                   <a:schemeClr val="tx1"/>
                 </a:solidFill>
@@ -4171,43 +4761,25 @@
               <a:t>rawData</a:t>
             </a:r>
             <a:r>
-              <a:rPr lang="en-US" sz="1200" dirty="0">
+              <a:rPr lang="en-US" sz="1600" dirty="0">
                 <a:solidFill>
                   <a:schemeClr val="tx1"/>
                 </a:solidFill>
               </a:rPr>
-              <a:t>[0], 3)) { </a:t>
-            </a:r>
-          </a:p>
-          <a:p>
-            <a:r>
-              <a:rPr lang="en-US" sz="1200" dirty="0">
+              <a:t>[0])) { </a:t>
+            </a:r>
+          </a:p>
+          <a:p>
+            <a:r>
+              <a:rPr lang="en-US" sz="1600" dirty="0">
                 <a:solidFill>
                   <a:schemeClr val="tx1"/>
                 </a:solidFill>
               </a:rPr>
-              <a:t>7             </a:t>
-            </a:r>
-            <a:r>
-              <a:rPr lang="en-US" sz="1200" dirty="0">
-                <a:solidFill>
-                  <a:schemeClr val="tx2"/>
-                </a:solidFill>
-              </a:rPr>
-              <a:t>// Return x-axis sensitivity adjustment values, etc.</a:t>
-            </a:r>
-          </a:p>
-          <a:p>
-            <a:r>
-              <a:rPr lang="en-US" sz="1200" dirty="0">
-                <a:solidFill>
-                  <a:schemeClr val="tx1"/>
-                </a:solidFill>
-              </a:rPr>
-              <a:t>8             </a:t>
-            </a:r>
-            <a:r>
-              <a:rPr lang="en-US" sz="1200" dirty="0" err="1">
+              <a:t>               </a:t>
+            </a:r>
+            <a:r>
+              <a:rPr lang="en-US" sz="1600" dirty="0" err="1">
                 <a:solidFill>
                   <a:schemeClr val="tx1"/>
                 </a:solidFill>
@@ -4215,15 +4787,15 @@
               <a:t>calX</a:t>
             </a:r>
             <a:r>
-              <a:rPr lang="en-US" sz="1200" dirty="0">
+              <a:rPr lang="en-US" sz="1600" dirty="0">
                 <a:solidFill>
                   <a:schemeClr val="tx1"/>
                 </a:solidFill>
               </a:rPr>
-              <a:t> =  (int16_t)</a:t>
-            </a:r>
-            <a:r>
-              <a:rPr lang="en-US" sz="1200" dirty="0" err="1">
+              <a:t> =  </a:t>
+            </a:r>
+            <a:r>
+              <a:rPr lang="en-US" sz="1600" dirty="0" err="1">
                 <a:solidFill>
                   <a:schemeClr val="tx1"/>
                 </a:solidFill>
@@ -4231,7 +4803,7 @@
               <a:t>rawData</a:t>
             </a:r>
             <a:r>
-              <a:rPr lang="en-US" sz="1200" dirty="0">
+              <a:rPr lang="en-US" sz="1600" dirty="0">
                 <a:solidFill>
                   <a:schemeClr val="tx1"/>
                 </a:solidFill>
@@ -4241,15 +4813,15 @@
           </a:p>
           <a:p>
             <a:r>
-              <a:rPr lang="en-US" sz="1200" dirty="0">
+              <a:rPr lang="en-US" sz="1600" dirty="0">
                 <a:solidFill>
                   <a:schemeClr val="tx1"/>
                 </a:solidFill>
               </a:rPr>
-              <a:t>9             </a:t>
-            </a:r>
-            <a:r>
-              <a:rPr lang="en-US" sz="1200" dirty="0" err="1">
+              <a:t>               </a:t>
+            </a:r>
+            <a:r>
+              <a:rPr lang="en-US" sz="1600" dirty="0" err="1">
                 <a:solidFill>
                   <a:schemeClr val="tx1"/>
                 </a:solidFill>
@@ -4257,15 +4829,15 @@
               <a:t>calY</a:t>
             </a:r>
             <a:r>
-              <a:rPr lang="en-US" sz="1200" dirty="0">
+              <a:rPr lang="en-US" sz="1600" dirty="0">
                 <a:solidFill>
                   <a:schemeClr val="tx1"/>
                 </a:solidFill>
               </a:rPr>
-              <a:t> =  (int16_t)</a:t>
-            </a:r>
-            <a:r>
-              <a:rPr lang="en-US" sz="1200" dirty="0" err="1">
+              <a:t> =  </a:t>
+            </a:r>
+            <a:r>
+              <a:rPr lang="en-US" sz="1600" dirty="0" err="1">
                 <a:solidFill>
                   <a:schemeClr val="tx1"/>
                 </a:solidFill>
@@ -4273,7 +4845,7 @@
               <a:t>rawData</a:t>
             </a:r>
             <a:r>
-              <a:rPr lang="en-US" sz="1200" dirty="0">
+              <a:rPr lang="en-US" sz="1600" dirty="0">
                 <a:solidFill>
                   <a:schemeClr val="tx1"/>
                 </a:solidFill>
@@ -4283,33 +4855,30 @@
           </a:p>
           <a:p>
             <a:r>
-              <a:rPr lang="en-US" sz="1600" dirty="0">
+              <a:rPr lang="en-US" sz="2133" dirty="0">
                 <a:solidFill>
                   <a:srgbClr val="C00000"/>
                 </a:solidFill>
               </a:rPr>
               <a:t>           Power fail</a:t>
             </a:r>
-            <a:r>
-              <a:rPr lang="en-US" sz="1200" dirty="0">
+            <a:endParaRPr lang="en-US" sz="1600" dirty="0">
+              <a:solidFill>
+                <a:schemeClr val="tx1"/>
+              </a:solidFill>
+            </a:endParaRPr>
+          </a:p>
+          <a:p>
+            <a:r>
+              <a:rPr lang="en-US" sz="1600" dirty="0">
                 <a:solidFill>
                   <a:schemeClr val="tx1"/>
                 </a:solidFill>
               </a:rPr>
-              <a:t>		</a:t>
-            </a:r>
-          </a:p>
-          <a:p>
-            <a:r>
-              <a:rPr lang="en-US" sz="1200" dirty="0">
-                <a:solidFill>
-                  <a:schemeClr val="tx1"/>
-                </a:solidFill>
-              </a:rPr>
-              <a:t>10           </a:t>
-            </a:r>
-            <a:r>
-              <a:rPr lang="en-US" sz="1200" dirty="0" err="1">
+              <a:t>               </a:t>
+            </a:r>
+            <a:r>
+              <a:rPr lang="en-US" sz="1600" dirty="0" err="1">
                 <a:solidFill>
                   <a:schemeClr val="tx1"/>
                 </a:solidFill>
@@ -4317,15 +4886,15 @@
               <a:t>calZ</a:t>
             </a:r>
             <a:r>
-              <a:rPr lang="en-US" sz="1200" dirty="0">
+              <a:rPr lang="en-US" sz="1600" dirty="0">
                 <a:solidFill>
                   <a:schemeClr val="tx1"/>
                 </a:solidFill>
               </a:rPr>
-              <a:t> =  (int16_t)</a:t>
-            </a:r>
-            <a:r>
-              <a:rPr lang="en-US" sz="1200" dirty="0" err="1">
+              <a:t> =  </a:t>
+            </a:r>
+            <a:r>
+              <a:rPr lang="en-US" sz="1600" dirty="0" err="1">
                 <a:solidFill>
                   <a:schemeClr val="tx1"/>
                 </a:solidFill>
@@ -4333,7 +4902,7 @@
               <a:t>rawData</a:t>
             </a:r>
             <a:r>
-              <a:rPr lang="en-US" sz="1200" dirty="0">
+              <a:rPr lang="en-US" sz="1600" dirty="0">
                 <a:solidFill>
                   <a:schemeClr val="tx1"/>
                 </a:solidFill>
@@ -4343,112 +4912,32 @@
           </a:p>
           <a:p>
             <a:r>
-              <a:rPr lang="en-US" sz="1200" dirty="0">
+              <a:rPr lang="en-US" sz="1600" dirty="0">
                 <a:solidFill>
                   <a:schemeClr val="tx1"/>
                 </a:solidFill>
               </a:rPr>
-              <a:t>11       }  </a:t>
-            </a:r>
-          </a:p>
-          <a:p>
-            <a:r>
-              <a:rPr lang="en-US" sz="1200" dirty="0">
+              <a:t>       }  </a:t>
+            </a:r>
+          </a:p>
+          <a:p>
+            <a:r>
+              <a:rPr lang="en-US" sz="1600" dirty="0">
                 <a:solidFill>
                   <a:schemeClr val="tx1"/>
                 </a:solidFill>
               </a:rPr>
-              <a:t>12        </a:t>
-            </a:r>
-            <a:r>
-              <a:rPr lang="en-US" sz="1200" dirty="0">
-                <a:solidFill>
-                  <a:schemeClr val="tx2"/>
+              <a:t>   </a:t>
+            </a:r>
+          </a:p>
+          <a:p>
+            <a:r>
+              <a:rPr lang="en-US" sz="1600" dirty="0">
+                <a:solidFill>
+                  <a:schemeClr val="tx1"/>
                 </a:solidFill>
               </a:rPr>
-              <a:t>// Turn off the sensor by doing a reset</a:t>
-            </a:r>
-          </a:p>
-          <a:p>
-            <a:r>
-              <a:rPr lang="en-US" sz="1200" dirty="0">
-                <a:solidFill>
-                  <a:schemeClr val="tx1"/>
-                </a:solidFill>
-              </a:rPr>
-              <a:t>13        </a:t>
-            </a:r>
-            <a:r>
-              <a:rPr lang="en-US" sz="1200" dirty="0" err="1">
-                <a:solidFill>
-                  <a:schemeClr val="tx1"/>
-                </a:solidFill>
-              </a:rPr>
-              <a:t>val</a:t>
-            </a:r>
-            <a:r>
-              <a:rPr lang="en-US" sz="1200" dirty="0">
-                <a:solidFill>
-                  <a:schemeClr val="tx1"/>
-                </a:solidFill>
-              </a:rPr>
-              <a:t> = 0x01; </a:t>
-            </a:r>
-          </a:p>
-          <a:p>
-            <a:r>
-              <a:rPr lang="en-US" sz="1200" dirty="0">
-                <a:solidFill>
-                  <a:schemeClr val="tx1"/>
-                </a:solidFill>
-              </a:rPr>
-              <a:t>14        SensorI2C_writeReg(MAG_CNTL2, &amp;</a:t>
-            </a:r>
-            <a:r>
-              <a:rPr lang="en-US" sz="1200" dirty="0" err="1">
-                <a:solidFill>
-                  <a:schemeClr val="tx1"/>
-                </a:solidFill>
-              </a:rPr>
-              <a:t>val</a:t>
-            </a:r>
-            <a:r>
-              <a:rPr lang="en-US" sz="1200" dirty="0">
-                <a:solidFill>
-                  <a:schemeClr val="tx1"/>
-                </a:solidFill>
-              </a:rPr>
-              <a:t>, 1);</a:t>
-            </a:r>
-          </a:p>
-          <a:p>
-            <a:r>
-              <a:rPr lang="en-US" sz="1200" dirty="0">
-                <a:solidFill>
-                  <a:schemeClr val="tx1"/>
-                </a:solidFill>
-              </a:rPr>
-              <a:t>15        SENSOR_DESELECT();</a:t>
-            </a:r>
-          </a:p>
-          <a:p>
-            <a:r>
-              <a:rPr lang="en-US" sz="1200" dirty="0">
-                <a:solidFill>
-                  <a:schemeClr val="tx1"/>
-                </a:solidFill>
-              </a:rPr>
-              <a:t>16     }</a:t>
-            </a:r>
-          </a:p>
-          <a:p>
-            <a:r>
-              <a:rPr lang="en-US" sz="1200" dirty="0">
-                <a:solidFill>
-                  <a:schemeClr val="tx1"/>
-                </a:solidFill>
-              </a:rPr>
-              <a:t>17  }</a:t>
+              <a:t>}</a:t>
             </a:r>
           </a:p>
         </p:txBody>
